--- a/presentation_project4.pptx
+++ b/presentation_project4.pptx
@@ -116,7 +116,7 @@
   </p:defaultTextStyle>
   <p:extLst>
     <p:ext uri="{EFAFB233-063F-42B5-8137-9DF3F51BA10A}">
-      <p15:sldGuideLst xmlns:p15="http://schemas.microsoft.com/office/powerpoint/2012/main"/>
+      <p15:sldGuideLst xmlns:p15="http://schemas.microsoft.com/office/powerpoint/2012/main" xmlns=""/>
     </p:ext>
   </p:extLst>
 </p:presentation>
@@ -146,7 +146,7 @@
     <p:text>va,j is from test dataset, and j is from corresponding rank from prediction dataset</p:text>
     <p:extLst>
       <p:ext uri="{C676402C-5697-4E1C-873F-D02D1690AC5C}">
-        <p15:threadingInfo xmlns:p15="http://schemas.microsoft.com/office/powerpoint/2012/main" timeZoneBias="300"/>
+        <p15:threadingInfo xmlns:p15="http://schemas.microsoft.com/office/powerpoint/2012/main" xmlns="" timeZoneBias="300"/>
       </p:ext>
     </p:extLst>
   </p:cm>
@@ -155,7 +155,7 @@
     <p:text>for Rmax, it's almost the same as Ra, but the j is the corresponding order frm test dataset</p:text>
     <p:extLst>
       <p:ext uri="{C676402C-5697-4E1C-873F-D02D1690AC5C}">
-        <p15:threadingInfo xmlns:p15="http://schemas.microsoft.com/office/powerpoint/2012/main" timeZoneBias="300">
+        <p15:threadingInfo xmlns:p15="http://schemas.microsoft.com/office/powerpoint/2012/main" xmlns="" timeZoneBias="300">
           <p15:parentCm authorId="2" idx="1"/>
         </p15:threadingInfo>
       </p:ext>
@@ -171,7 +171,7 @@
     <p:text/>
     <p:extLst>
       <p:ext uri="{C676402C-5697-4E1C-873F-D02D1690AC5C}">
-        <p15:threadingInfo xmlns:p15="http://schemas.microsoft.com/office/powerpoint/2012/main" timeZoneBias="300"/>
+        <p15:threadingInfo xmlns:p15="http://schemas.microsoft.com/office/powerpoint/2012/main" xmlns="" timeZoneBias="300"/>
       </p:ext>
     </p:extLst>
   </p:cm>
@@ -180,7 +180,7 @@
     <p:text>. 1st dataset(binary): 1 minus difference. 2nd  dataset: max-min normalization and use 1 minus our difference</p:text>
     <p:extLst>
       <p:ext uri="{C676402C-5697-4E1C-873F-D02D1690AC5C}">
-        <p15:threadingInfo xmlns:p15="http://schemas.microsoft.com/office/powerpoint/2012/main" timeZoneBias="300"/>
+        <p15:threadingInfo xmlns:p15="http://schemas.microsoft.com/office/powerpoint/2012/main" xmlns="" timeZoneBias="300"/>
       </p:ext>
     </p:extLst>
   </p:cm>
@@ -269,6 +269,7 @@
           <a:p>
             <a:fld id="{86BC8BE2-9DCB-E248-B0DF-84258C80003E}" type="datetimeFigureOut">
               <a:rPr kumimoji="1" lang="zh-CN" altLang="en-US" smtClean="0"/>
+              <a:pPr/>
               <a:t>2017/11/29</a:t>
             </a:fld>
             <a:endParaRPr kumimoji="1" lang="zh-CN" altLang="en-US"/>
@@ -428,6 +429,7 @@
           <a:p>
             <a:fld id="{B2D28B66-2457-654E-897A-A3721DF6DBF6}" type="slidenum">
               <a:rPr kumimoji="1" lang="zh-CN" altLang="en-US" smtClean="0"/>
+              <a:pPr/>
               <a:t>‹#›</a:t>
             </a:fld>
             <a:endParaRPr kumimoji="1" lang="zh-CN" altLang="en-US"/>
@@ -437,7 +439,7 @@
     </p:spTree>
     <p:extLst>
       <p:ext uri="{BB962C8B-B14F-4D97-AF65-F5344CB8AC3E}">
-        <p14:creationId xmlns:p14="http://schemas.microsoft.com/office/powerpoint/2010/main" val="683094785"/>
+        <p14:creationId xmlns:p14="http://schemas.microsoft.com/office/powerpoint/2010/main" xmlns="" val="683094785"/>
       </p:ext>
     </p:extLst>
   </p:cSld>
@@ -593,7 +595,7 @@
     </p:spTree>
     <p:extLst>
       <p:ext uri="{BB962C8B-B14F-4D97-AF65-F5344CB8AC3E}">
-        <p14:creationId xmlns:p14="http://schemas.microsoft.com/office/powerpoint/2010/main" val="238438746"/>
+        <p14:creationId xmlns:p14="http://schemas.microsoft.com/office/powerpoint/2010/main" xmlns="" val="238438746"/>
       </p:ext>
     </p:extLst>
   </p:cSld>
@@ -734,6 +736,7 @@
           <a:p>
             <a:fld id="{FD43BBCE-30CE-3143-96AF-D7113AA72B93}" type="datetimeFigureOut">
               <a:rPr kumimoji="1" lang="zh-CN" altLang="en-US" smtClean="0"/>
+              <a:pPr/>
               <a:t>2017/11/29</a:t>
             </a:fld>
             <a:endParaRPr kumimoji="1" lang="zh-CN" altLang="en-US"/>
@@ -776,6 +779,7 @@
           <a:p>
             <a:fld id="{8064F2A1-D649-D346-B77E-533EBE513C9C}" type="slidenum">
               <a:rPr kumimoji="1" lang="zh-CN" altLang="en-US" smtClean="0"/>
+              <a:pPr/>
               <a:t>‹#›</a:t>
             </a:fld>
             <a:endParaRPr kumimoji="1" lang="zh-CN" altLang="en-US"/>
@@ -785,7 +789,7 @@
     </p:spTree>
     <p:extLst>
       <p:ext uri="{BB962C8B-B14F-4D97-AF65-F5344CB8AC3E}">
-        <p14:creationId xmlns:p14="http://schemas.microsoft.com/office/powerpoint/2010/main" val="296062737"/>
+        <p14:creationId xmlns:p14="http://schemas.microsoft.com/office/powerpoint/2010/main" xmlns="" val="296062737"/>
       </p:ext>
     </p:extLst>
   </p:cSld>
@@ -904,6 +908,7 @@
           <a:p>
             <a:fld id="{FD43BBCE-30CE-3143-96AF-D7113AA72B93}" type="datetimeFigureOut">
               <a:rPr kumimoji="1" lang="zh-CN" altLang="en-US" smtClean="0"/>
+              <a:pPr/>
               <a:t>2017/11/29</a:t>
             </a:fld>
             <a:endParaRPr kumimoji="1" lang="zh-CN" altLang="en-US"/>
@@ -946,6 +951,7 @@
           <a:p>
             <a:fld id="{8064F2A1-D649-D346-B77E-533EBE513C9C}" type="slidenum">
               <a:rPr kumimoji="1" lang="zh-CN" altLang="en-US" smtClean="0"/>
+              <a:pPr/>
               <a:t>‹#›</a:t>
             </a:fld>
             <a:endParaRPr kumimoji="1" lang="zh-CN" altLang="en-US"/>
@@ -955,7 +961,7 @@
     </p:spTree>
     <p:extLst>
       <p:ext uri="{BB962C8B-B14F-4D97-AF65-F5344CB8AC3E}">
-        <p14:creationId xmlns:p14="http://schemas.microsoft.com/office/powerpoint/2010/main" val="1155116184"/>
+        <p14:creationId xmlns:p14="http://schemas.microsoft.com/office/powerpoint/2010/main" xmlns="" val="1155116184"/>
       </p:ext>
     </p:extLst>
   </p:cSld>
@@ -1084,6 +1090,7 @@
           <a:p>
             <a:fld id="{FD43BBCE-30CE-3143-96AF-D7113AA72B93}" type="datetimeFigureOut">
               <a:rPr kumimoji="1" lang="zh-CN" altLang="en-US" smtClean="0"/>
+              <a:pPr/>
               <a:t>2017/11/29</a:t>
             </a:fld>
             <a:endParaRPr kumimoji="1" lang="zh-CN" altLang="en-US"/>
@@ -1126,6 +1133,7 @@
           <a:p>
             <a:fld id="{8064F2A1-D649-D346-B77E-533EBE513C9C}" type="slidenum">
               <a:rPr kumimoji="1" lang="zh-CN" altLang="en-US" smtClean="0"/>
+              <a:pPr/>
               <a:t>‹#›</a:t>
             </a:fld>
             <a:endParaRPr kumimoji="1" lang="zh-CN" altLang="en-US"/>
@@ -1135,7 +1143,7 @@
     </p:spTree>
     <p:extLst>
       <p:ext uri="{BB962C8B-B14F-4D97-AF65-F5344CB8AC3E}">
-        <p14:creationId xmlns:p14="http://schemas.microsoft.com/office/powerpoint/2010/main" val="785535608"/>
+        <p14:creationId xmlns:p14="http://schemas.microsoft.com/office/powerpoint/2010/main" xmlns="" val="785535608"/>
       </p:ext>
     </p:extLst>
   </p:cSld>
@@ -1254,6 +1262,7 @@
           <a:p>
             <a:fld id="{FD43BBCE-30CE-3143-96AF-D7113AA72B93}" type="datetimeFigureOut">
               <a:rPr kumimoji="1" lang="zh-CN" altLang="en-US" smtClean="0"/>
+              <a:pPr/>
               <a:t>2017/11/29</a:t>
             </a:fld>
             <a:endParaRPr kumimoji="1" lang="zh-CN" altLang="en-US"/>
@@ -1296,6 +1305,7 @@
           <a:p>
             <a:fld id="{8064F2A1-D649-D346-B77E-533EBE513C9C}" type="slidenum">
               <a:rPr kumimoji="1" lang="zh-CN" altLang="en-US" smtClean="0"/>
+              <a:pPr/>
               <a:t>‹#›</a:t>
             </a:fld>
             <a:endParaRPr kumimoji="1" lang="zh-CN" altLang="en-US"/>
@@ -1305,7 +1315,7 @@
     </p:spTree>
     <p:extLst>
       <p:ext uri="{BB962C8B-B14F-4D97-AF65-F5344CB8AC3E}">
-        <p14:creationId xmlns:p14="http://schemas.microsoft.com/office/powerpoint/2010/main" val="241870503"/>
+        <p14:creationId xmlns:p14="http://schemas.microsoft.com/office/powerpoint/2010/main" xmlns="" val="241870503"/>
       </p:ext>
     </p:extLst>
   </p:cSld>
@@ -1500,6 +1510,7 @@
           <a:p>
             <a:fld id="{FD43BBCE-30CE-3143-96AF-D7113AA72B93}" type="datetimeFigureOut">
               <a:rPr kumimoji="1" lang="zh-CN" altLang="en-US" smtClean="0"/>
+              <a:pPr/>
               <a:t>2017/11/29</a:t>
             </a:fld>
             <a:endParaRPr kumimoji="1" lang="zh-CN" altLang="en-US"/>
@@ -1542,6 +1553,7 @@
           <a:p>
             <a:fld id="{8064F2A1-D649-D346-B77E-533EBE513C9C}" type="slidenum">
               <a:rPr kumimoji="1" lang="zh-CN" altLang="en-US" smtClean="0"/>
+              <a:pPr/>
               <a:t>‹#›</a:t>
             </a:fld>
             <a:endParaRPr kumimoji="1" lang="zh-CN" altLang="en-US"/>
@@ -1551,7 +1563,7 @@
     </p:spTree>
     <p:extLst>
       <p:ext uri="{BB962C8B-B14F-4D97-AF65-F5344CB8AC3E}">
-        <p14:creationId xmlns:p14="http://schemas.microsoft.com/office/powerpoint/2010/main" val="2078483797"/>
+        <p14:creationId xmlns:p14="http://schemas.microsoft.com/office/powerpoint/2010/main" xmlns="" val="2078483797"/>
       </p:ext>
     </p:extLst>
   </p:cSld>
@@ -1732,6 +1744,7 @@
           <a:p>
             <a:fld id="{FD43BBCE-30CE-3143-96AF-D7113AA72B93}" type="datetimeFigureOut">
               <a:rPr kumimoji="1" lang="zh-CN" altLang="en-US" smtClean="0"/>
+              <a:pPr/>
               <a:t>2017/11/29</a:t>
             </a:fld>
             <a:endParaRPr kumimoji="1" lang="zh-CN" altLang="en-US"/>
@@ -1774,6 +1787,7 @@
           <a:p>
             <a:fld id="{8064F2A1-D649-D346-B77E-533EBE513C9C}" type="slidenum">
               <a:rPr kumimoji="1" lang="zh-CN" altLang="en-US" smtClean="0"/>
+              <a:pPr/>
               <a:t>‹#›</a:t>
             </a:fld>
             <a:endParaRPr kumimoji="1" lang="zh-CN" altLang="en-US"/>
@@ -1783,7 +1797,7 @@
     </p:spTree>
     <p:extLst>
       <p:ext uri="{BB962C8B-B14F-4D97-AF65-F5344CB8AC3E}">
-        <p14:creationId xmlns:p14="http://schemas.microsoft.com/office/powerpoint/2010/main" val="2108174077"/>
+        <p14:creationId xmlns:p14="http://schemas.microsoft.com/office/powerpoint/2010/main" xmlns="" val="2108174077"/>
       </p:ext>
     </p:extLst>
   </p:cSld>
@@ -2099,6 +2113,7 @@
           <a:p>
             <a:fld id="{FD43BBCE-30CE-3143-96AF-D7113AA72B93}" type="datetimeFigureOut">
               <a:rPr kumimoji="1" lang="zh-CN" altLang="en-US" smtClean="0"/>
+              <a:pPr/>
               <a:t>2017/11/29</a:t>
             </a:fld>
             <a:endParaRPr kumimoji="1" lang="zh-CN" altLang="en-US"/>
@@ -2141,6 +2156,7 @@
           <a:p>
             <a:fld id="{8064F2A1-D649-D346-B77E-533EBE513C9C}" type="slidenum">
               <a:rPr kumimoji="1" lang="zh-CN" altLang="en-US" smtClean="0"/>
+              <a:pPr/>
               <a:t>‹#›</a:t>
             </a:fld>
             <a:endParaRPr kumimoji="1" lang="zh-CN" altLang="en-US"/>
@@ -2150,7 +2166,7 @@
     </p:spTree>
     <p:extLst>
       <p:ext uri="{BB962C8B-B14F-4D97-AF65-F5344CB8AC3E}">
-        <p14:creationId xmlns:p14="http://schemas.microsoft.com/office/powerpoint/2010/main" val="749020286"/>
+        <p14:creationId xmlns:p14="http://schemas.microsoft.com/office/powerpoint/2010/main" xmlns="" val="749020286"/>
       </p:ext>
     </p:extLst>
   </p:cSld>
@@ -2217,6 +2233,7 @@
           <a:p>
             <a:fld id="{FD43BBCE-30CE-3143-96AF-D7113AA72B93}" type="datetimeFigureOut">
               <a:rPr kumimoji="1" lang="zh-CN" altLang="en-US" smtClean="0"/>
+              <a:pPr/>
               <a:t>2017/11/29</a:t>
             </a:fld>
             <a:endParaRPr kumimoji="1" lang="zh-CN" altLang="en-US"/>
@@ -2259,6 +2276,7 @@
           <a:p>
             <a:fld id="{8064F2A1-D649-D346-B77E-533EBE513C9C}" type="slidenum">
               <a:rPr kumimoji="1" lang="zh-CN" altLang="en-US" smtClean="0"/>
+              <a:pPr/>
               <a:t>‹#›</a:t>
             </a:fld>
             <a:endParaRPr kumimoji="1" lang="zh-CN" altLang="en-US"/>
@@ -2268,7 +2286,7 @@
     </p:spTree>
     <p:extLst>
       <p:ext uri="{BB962C8B-B14F-4D97-AF65-F5344CB8AC3E}">
-        <p14:creationId xmlns:p14="http://schemas.microsoft.com/office/powerpoint/2010/main" val="234808088"/>
+        <p14:creationId xmlns:p14="http://schemas.microsoft.com/office/powerpoint/2010/main" xmlns="" val="234808088"/>
       </p:ext>
     </p:extLst>
   </p:cSld>
@@ -2312,6 +2330,7 @@
           <a:p>
             <a:fld id="{FD43BBCE-30CE-3143-96AF-D7113AA72B93}" type="datetimeFigureOut">
               <a:rPr kumimoji="1" lang="zh-CN" altLang="en-US" smtClean="0"/>
+              <a:pPr/>
               <a:t>2017/11/29</a:t>
             </a:fld>
             <a:endParaRPr kumimoji="1" lang="zh-CN" altLang="en-US"/>
@@ -2354,6 +2373,7 @@
           <a:p>
             <a:fld id="{8064F2A1-D649-D346-B77E-533EBE513C9C}" type="slidenum">
               <a:rPr kumimoji="1" lang="zh-CN" altLang="en-US" smtClean="0"/>
+              <a:pPr/>
               <a:t>‹#›</a:t>
             </a:fld>
             <a:endParaRPr kumimoji="1" lang="zh-CN" altLang="en-US"/>
@@ -2363,7 +2383,7 @@
     </p:spTree>
     <p:extLst>
       <p:ext uri="{BB962C8B-B14F-4D97-AF65-F5344CB8AC3E}">
-        <p14:creationId xmlns:p14="http://schemas.microsoft.com/office/powerpoint/2010/main" val="1492075477"/>
+        <p14:creationId xmlns:p14="http://schemas.microsoft.com/office/powerpoint/2010/main" xmlns="" val="1492075477"/>
       </p:ext>
     </p:extLst>
   </p:cSld>
@@ -2589,6 +2609,7 @@
           <a:p>
             <a:fld id="{FD43BBCE-30CE-3143-96AF-D7113AA72B93}" type="datetimeFigureOut">
               <a:rPr kumimoji="1" lang="zh-CN" altLang="en-US" smtClean="0"/>
+              <a:pPr/>
               <a:t>2017/11/29</a:t>
             </a:fld>
             <a:endParaRPr kumimoji="1" lang="zh-CN" altLang="en-US"/>
@@ -2631,6 +2652,7 @@
           <a:p>
             <a:fld id="{8064F2A1-D649-D346-B77E-533EBE513C9C}" type="slidenum">
               <a:rPr kumimoji="1" lang="zh-CN" altLang="en-US" smtClean="0"/>
+              <a:pPr/>
               <a:t>‹#›</a:t>
             </a:fld>
             <a:endParaRPr kumimoji="1" lang="zh-CN" altLang="en-US"/>
@@ -2640,7 +2662,7 @@
     </p:spTree>
     <p:extLst>
       <p:ext uri="{BB962C8B-B14F-4D97-AF65-F5344CB8AC3E}">
-        <p14:creationId xmlns:p14="http://schemas.microsoft.com/office/powerpoint/2010/main" val="1145995920"/>
+        <p14:creationId xmlns:p14="http://schemas.microsoft.com/office/powerpoint/2010/main" xmlns="" val="1145995920"/>
       </p:ext>
     </p:extLst>
   </p:cSld>
@@ -2842,6 +2864,7 @@
           <a:p>
             <a:fld id="{FD43BBCE-30CE-3143-96AF-D7113AA72B93}" type="datetimeFigureOut">
               <a:rPr kumimoji="1" lang="zh-CN" altLang="en-US" smtClean="0"/>
+              <a:pPr/>
               <a:t>2017/11/29</a:t>
             </a:fld>
             <a:endParaRPr kumimoji="1" lang="zh-CN" altLang="en-US"/>
@@ -2884,6 +2907,7 @@
           <a:p>
             <a:fld id="{8064F2A1-D649-D346-B77E-533EBE513C9C}" type="slidenum">
               <a:rPr kumimoji="1" lang="zh-CN" altLang="en-US" smtClean="0"/>
+              <a:pPr/>
               <a:t>‹#›</a:t>
             </a:fld>
             <a:endParaRPr kumimoji="1" lang="zh-CN" altLang="en-US"/>
@@ -2893,7 +2917,7 @@
     </p:spTree>
     <p:extLst>
       <p:ext uri="{BB962C8B-B14F-4D97-AF65-F5344CB8AC3E}">
-        <p14:creationId xmlns:p14="http://schemas.microsoft.com/office/powerpoint/2010/main" val="2120081144"/>
+        <p14:creationId xmlns:p14="http://schemas.microsoft.com/office/powerpoint/2010/main" xmlns="" val="2120081144"/>
       </p:ext>
     </p:extLst>
   </p:cSld>
@@ -3055,6 +3079,7 @@
           <a:p>
             <a:fld id="{FD43BBCE-30CE-3143-96AF-D7113AA72B93}" type="datetimeFigureOut">
               <a:rPr kumimoji="1" lang="zh-CN" altLang="en-US" smtClean="0"/>
+              <a:pPr/>
               <a:t>2017/11/29</a:t>
             </a:fld>
             <a:endParaRPr kumimoji="1" lang="zh-CN" altLang="en-US"/>
@@ -3133,6 +3158,7 @@
           <a:p>
             <a:fld id="{8064F2A1-D649-D346-B77E-533EBE513C9C}" type="slidenum">
               <a:rPr kumimoji="1" lang="zh-CN" altLang="en-US" smtClean="0"/>
+              <a:pPr/>
               <a:t>‹#›</a:t>
             </a:fld>
             <a:endParaRPr kumimoji="1" lang="zh-CN" altLang="en-US"/>
@@ -3142,7 +3168,7 @@
     </p:spTree>
     <p:extLst>
       <p:ext uri="{BB962C8B-B14F-4D97-AF65-F5344CB8AC3E}">
-        <p14:creationId xmlns:p14="http://schemas.microsoft.com/office/powerpoint/2010/main" val="1462637078"/>
+        <p14:creationId xmlns:p14="http://schemas.microsoft.com/office/powerpoint/2010/main" xmlns="" val="1462637078"/>
       </p:ext>
     </p:extLst>
   </p:cSld>
@@ -3626,21 +3652,8 @@
                 <a:ea typeface="Arial Hebrew Light" charset="-79"/>
                 <a:cs typeface="Arial Hebrew Light" charset="-79"/>
               </a:rPr>
-              <a:t>approaches </a:t>
-            </a:r>
-            <a:r>
-              <a:rPr kumimoji="1" lang="en-US" altLang="zh-CN" dirty="0" smtClean="0">
-                <a:latin typeface="Arial Hebrew Light" charset="-79"/>
-                <a:ea typeface="Arial Hebrew Light" charset="-79"/>
-                <a:cs typeface="Arial Hebrew Light" charset="-79"/>
-              </a:rPr>
-              <a:t>used</a:t>
-            </a:r>
-            <a:endParaRPr kumimoji="1" lang="en-US" altLang="zh-CN" dirty="0" smtClean="0">
-              <a:latin typeface="Arial Hebrew Light" charset="-79"/>
-              <a:ea typeface="Arial Hebrew Light" charset="-79"/>
-              <a:cs typeface="Arial Hebrew Light" charset="-79"/>
-            </a:endParaRPr>
+              <a:t>approaches used</a:t>
+            </a:r>
           </a:p>
           <a:p>
             <a:pPr marL="342900" indent="-342900">
@@ -3662,15 +3675,7 @@
                 <a:ea typeface="Arial Hebrew Light" charset="-79"/>
                 <a:cs typeface="Arial Hebrew Light" charset="-79"/>
               </a:rPr>
-              <a:t>H</a:t>
-            </a:r>
-            <a:r>
-              <a:rPr kumimoji="1" lang="en-US" altLang="zh-CN" dirty="0" smtClean="0">
-                <a:latin typeface="Arial Hebrew Light" charset="-79"/>
-                <a:ea typeface="Arial Hebrew Light" charset="-79"/>
-                <a:cs typeface="Arial Hebrew Light" charset="-79"/>
-              </a:rPr>
-              <a:t>ow </a:t>
+              <a:t>How </a:t>
             </a:r>
             <a:r>
               <a:rPr kumimoji="1" lang="en-US" altLang="zh-CN" dirty="0">
@@ -3686,15 +3691,7 @@
                 <a:ea typeface="Arial Hebrew Light" charset="-79"/>
                 <a:cs typeface="Arial Hebrew Light" charset="-79"/>
               </a:rPr>
-              <a:t>evaluate the performance </a:t>
-            </a:r>
-            <a:r>
-              <a:rPr kumimoji="1" lang="en-US" altLang="zh-CN" dirty="0" smtClean="0">
-                <a:latin typeface="Arial Hebrew Light" charset="-79"/>
-                <a:ea typeface="Arial Hebrew Light" charset="-79"/>
-                <a:cs typeface="Arial Hebrew Light" charset="-79"/>
-              </a:rPr>
-              <a:t>of our different algorithms ?</a:t>
+              <a:t>evaluate the performance of our different algorithms ?</a:t>
             </a:r>
             <a:endParaRPr kumimoji="1" lang="en-US" altLang="zh-CN" dirty="0">
               <a:latin typeface="Arial Hebrew Light" charset="-79"/>
@@ -3722,55 +3719,7 @@
                 <a:ea typeface="Arial Hebrew" charset="-79"/>
                 <a:cs typeface="Arial Hebrew" charset="-79"/>
               </a:rPr>
-              <a:t>Steps</a:t>
-            </a:r>
-            <a:r>
-              <a:rPr kumimoji="1" lang="en-US" altLang="zh-CN" dirty="0" smtClean="0">
-                <a:latin typeface="Arial Hebrew" charset="-79"/>
-                <a:ea typeface="Arial Hebrew" charset="-79"/>
-                <a:cs typeface="Arial Hebrew" charset="-79"/>
-              </a:rPr>
-              <a:t> </a:t>
-            </a:r>
-            <a:r>
-              <a:rPr kumimoji="1" lang="en-US" altLang="zh-CN" dirty="0" smtClean="0">
-                <a:latin typeface="Arial Hebrew" charset="-79"/>
-                <a:ea typeface="Arial Hebrew" charset="-79"/>
-                <a:cs typeface="Arial Hebrew" charset="-79"/>
-              </a:rPr>
-              <a:t>we </a:t>
-            </a:r>
-            <a:r>
-              <a:rPr kumimoji="1" lang="en-US" altLang="zh-CN" dirty="0" smtClean="0">
-                <a:latin typeface="Arial Hebrew" charset="-79"/>
-                <a:ea typeface="Arial Hebrew" charset="-79"/>
-                <a:cs typeface="Arial Hebrew" charset="-79"/>
-              </a:rPr>
-              <a:t>took </a:t>
-            </a:r>
-            <a:r>
-              <a:rPr kumimoji="1" lang="en-US" altLang="zh-CN" dirty="0" smtClean="0">
-                <a:latin typeface="Arial Hebrew" charset="-79"/>
-                <a:ea typeface="Arial Hebrew" charset="-79"/>
-                <a:cs typeface="Arial Hebrew" charset="-79"/>
-              </a:rPr>
-              <a:t>in </a:t>
-            </a:r>
-            <a:r>
-              <a:rPr kumimoji="1" lang="en-US" altLang="zh-CN" dirty="0" smtClean="0">
-                <a:latin typeface="Arial Hebrew" charset="-79"/>
-                <a:ea typeface="Arial Hebrew" charset="-79"/>
-                <a:cs typeface="Arial Hebrew" charset="-79"/>
-              </a:rPr>
-              <a:t>our experimental approach</a:t>
-            </a:r>
-            <a:r>
-              <a:rPr kumimoji="1" lang="en-US" altLang="zh-CN" dirty="0" smtClean="0">
-                <a:latin typeface="Arial Hebrew" charset="-79"/>
-                <a:ea typeface="Arial Hebrew" charset="-79"/>
-                <a:cs typeface="Arial Hebrew" charset="-79"/>
-              </a:rPr>
-              <a:t/>
+              <a:t>Steps we took in our experimental approach</a:t>
             </a:r>
             <a:br>
               <a:rPr kumimoji="1" lang="en-US" altLang="zh-CN" dirty="0" smtClean="0">
@@ -3912,7 +3861,7 @@
     </p:spTree>
     <p:extLst>
       <p:ext uri="{BB962C8B-B14F-4D97-AF65-F5344CB8AC3E}">
-        <p14:creationId xmlns:p14="http://schemas.microsoft.com/office/powerpoint/2010/main" val="1194679261"/>
+        <p14:creationId xmlns:p14="http://schemas.microsoft.com/office/powerpoint/2010/main" xmlns="" val="1194679261"/>
       </p:ext>
     </p:extLst>
   </p:cSld>
@@ -3974,15 +3923,7 @@
                 <a:ea typeface="Arial Hebrew" charset="-79"/>
                 <a:cs typeface="Arial Hebrew" charset="-79"/>
               </a:rPr>
-              <a:t>1</a:t>
-            </a:r>
-            <a:r>
-              <a:rPr kumimoji="1" lang="en-US" altLang="zh-CN" sz="3200" dirty="0" smtClean="0">
-                <a:latin typeface="Arial Hebrew" charset="-79"/>
-                <a:ea typeface="Arial Hebrew" charset="-79"/>
-                <a:cs typeface="Arial Hebrew" charset="-79"/>
-              </a:rPr>
-              <a:t>) Purpose of the study and</a:t>
+              <a:t>1) Purpose of the study and</a:t>
             </a:r>
             <a:r>
               <a:rPr kumimoji="1" lang="zh-CN" altLang="en-US" sz="3200" dirty="0" smtClean="0">
@@ -4013,7 +3954,7 @@
           <p:cNvPr id="3" name="Straight Connector 16">
             <a:extLst>
               <a:ext uri="{FF2B5EF4-FFF2-40B4-BE49-F238E27FC236}">
-                <a16:creationId xmlns:a16="http://schemas.microsoft.com/office/drawing/2014/main" id="{CE05F839-3054-43DF-8810-8EA6BE360703}"/>
+                <a16:creationId xmlns:a16="http://schemas.microsoft.com/office/drawing/2014/main" xmlns="" id="{CE05F839-3054-43DF-8810-8EA6BE360703}"/>
               </a:ext>
             </a:extLst>
           </p:cNvPr>
@@ -4119,19 +4060,7 @@
                   <a:cs typeface="Arial Hebrew" charset="-79"/>
                   <a:sym typeface="Wingdings" panose="05000000000000000000" pitchFamily="2" charset="2"/>
                 </a:rPr>
-                <a:t>We want to compare different options to perform </a:t>
-              </a:r>
-              <a:r>
-                <a:rPr lang="en-US" sz="1900" kern="0" dirty="0" smtClean="0">
-                  <a:solidFill>
-                    <a:prstClr val="black"/>
-                  </a:solidFill>
-                  <a:latin typeface="Arial Hebrew" charset="-79"/>
-                  <a:ea typeface="Arial Hebrew" charset="-79"/>
-                  <a:cs typeface="Arial Hebrew" charset="-79"/>
-                  <a:sym typeface="Wingdings" panose="05000000000000000000" pitchFamily="2" charset="2"/>
-                </a:rPr>
-                <a:t>collaborative filtering on two distinct database.</a:t>
+                <a:t>We want to compare different options to perform collaborative filtering on two distinct database.</a:t>
               </a:r>
             </a:p>
             <a:p>
@@ -4187,29 +4116,7 @@
                   <a:ea typeface="Arial Hebrew" charset="-79"/>
                   <a:cs typeface="Arial Hebrew" charset="-79"/>
                 </a:rPr>
-                <a:t>We need to c</a:t>
-              </a:r>
-              <a:r>
-                <a:rPr lang="en-US" sz="1900" kern="0" dirty="0" smtClean="0">
-                  <a:solidFill>
-                    <a:prstClr val="black"/>
-                  </a:solidFill>
-                  <a:latin typeface="Arial Hebrew" charset="-79"/>
-                  <a:ea typeface="Arial Hebrew" charset="-79"/>
-                  <a:cs typeface="Arial Hebrew" charset="-79"/>
-                </a:rPr>
-                <a:t>ompare </a:t>
-              </a:r>
-              <a:r>
-                <a:rPr lang="en-US" sz="1900" kern="0" dirty="0" smtClean="0">
-                  <a:solidFill>
-                    <a:prstClr val="black"/>
-                  </a:solidFill>
-                  <a:latin typeface="Arial Hebrew" charset="-79"/>
-                  <a:ea typeface="Arial Hebrew" charset="-79"/>
-                  <a:cs typeface="Arial Hebrew" charset="-79"/>
-                </a:rPr>
-                <a:t>the following things</a:t>
+                <a:t>We need to compare the following things</a:t>
               </a:r>
               <a:r>
                 <a:rPr kumimoji="0" lang="en-US" sz="1900" b="0" i="0" u="none" strike="noStrike" kern="0" cap="none" spc="0" normalizeH="0" baseline="0" noProof="0" dirty="0" smtClean="0">
@@ -4306,18 +4213,7 @@
                   <a:ea typeface="Arial Hebrew" charset="-79"/>
                   <a:cs typeface="Arial Hebrew" charset="-79"/>
                 </a:rPr>
-                <a:t>Different combinations of </a:t>
-              </a:r>
-              <a:r>
-                <a:rPr lang="en-US" sz="1600" kern="0" dirty="0" smtClean="0">
-                  <a:solidFill>
-                    <a:prstClr val="black"/>
-                  </a:solidFill>
-                  <a:latin typeface="Arial Hebrew" charset="-79"/>
-                  <a:ea typeface="Arial Hebrew" charset="-79"/>
-                  <a:cs typeface="Arial Hebrew" charset="-79"/>
-                </a:rPr>
-                <a:t>components</a:t>
+                <a:t>Different combinations of components</a:t>
               </a:r>
             </a:p>
             <a:p>
@@ -4409,18 +4305,7 @@
                   <a:ea typeface="Arial Hebrew" charset="-79"/>
                   <a:cs typeface="Arial Hebrew" charset="-79"/>
                 </a:rPr>
-                <a:t> the best </a:t>
-              </a:r>
-              <a:r>
-                <a:rPr lang="en-US" sz="1600" kern="0" dirty="0" smtClean="0">
-                  <a:solidFill>
-                    <a:prstClr val="black"/>
-                  </a:solidFill>
-                  <a:latin typeface="Arial Hebrew" charset="-79"/>
-                  <a:ea typeface="Arial Hebrew" charset="-79"/>
-                  <a:cs typeface="Arial Hebrew" charset="-79"/>
-                </a:rPr>
-                <a:t>meta-parameters</a:t>
+                <a:t> the best meta-parameters</a:t>
               </a:r>
               <a:endParaRPr kumimoji="0" lang="en-US" sz="1600" b="0" i="0" u="none" strike="noStrike" kern="0" cap="none" spc="0" normalizeH="0" baseline="0" noProof="0" dirty="0">
                 <a:ln>
@@ -4718,29 +4603,7 @@
                   <a:ea typeface="Arial Hebrew" charset="-79"/>
                   <a:cs typeface="Arial Hebrew" charset="-79"/>
                 </a:rPr>
-                <a:t>Find the best </a:t>
-              </a:r>
-              <a:r>
-                <a:rPr lang="en-US" sz="1900" kern="0" dirty="0" smtClean="0">
-                  <a:solidFill>
-                    <a:prstClr val="black"/>
-                  </a:solidFill>
-                  <a:latin typeface="Arial Hebrew" charset="-79"/>
-                  <a:ea typeface="Arial Hebrew" charset="-79"/>
-                  <a:cs typeface="Arial Hebrew" charset="-79"/>
-                </a:rPr>
-                <a:t>Memory-based </a:t>
-              </a:r>
-              <a:r>
-                <a:rPr lang="en-US" sz="1900" kern="0" dirty="0" smtClean="0">
-                  <a:solidFill>
-                    <a:prstClr val="black"/>
-                  </a:solidFill>
-                  <a:latin typeface="Arial Hebrew" charset="-79"/>
-                  <a:ea typeface="Arial Hebrew" charset="-79"/>
-                  <a:cs typeface="Arial Hebrew" charset="-79"/>
-                </a:rPr>
-                <a:t>Algorithm(based on neighbors)</a:t>
+                <a:t>Find the best Memory-based Algorithm(based on neighbors)</a:t>
               </a:r>
             </a:p>
             <a:p>
@@ -4757,29 +4620,7 @@
                   <a:ea typeface="Arial Hebrew" charset="-79"/>
                   <a:cs typeface="Arial Hebrew" charset="-79"/>
                 </a:rPr>
-                <a:t>Do predictions based on </a:t>
-              </a:r>
-              <a:r>
-                <a:rPr lang="en-US" sz="1600" kern="0" dirty="0" smtClean="0">
-                  <a:solidFill>
-                    <a:prstClr val="black"/>
-                  </a:solidFill>
-                  <a:latin typeface="Arial Hebrew" charset="-79"/>
-                  <a:ea typeface="Arial Hebrew" charset="-79"/>
-                  <a:cs typeface="Arial Hebrew" charset="-79"/>
-                </a:rPr>
-                <a:t>different </a:t>
-              </a:r>
-              <a:r>
-                <a:rPr lang="en-US" sz="1600" kern="0" dirty="0" smtClean="0">
-                  <a:solidFill>
-                    <a:prstClr val="black"/>
-                  </a:solidFill>
-                  <a:latin typeface="Arial Hebrew" charset="-79"/>
-                  <a:ea typeface="Arial Hebrew" charset="-79"/>
-                  <a:cs typeface="Arial Hebrew" charset="-79"/>
-                </a:rPr>
-                <a:t>combination of components</a:t>
+                <a:t>Do predictions based on different combination of components</a:t>
               </a:r>
             </a:p>
             <a:p>
@@ -4796,27 +4637,8 @@
                   <a:ea typeface="Arial Hebrew" charset="-79"/>
                   <a:cs typeface="Arial Hebrew" charset="-79"/>
                 </a:rPr>
-                <a:t>Evaluate the test data to find best combinations of </a:t>
+                <a:t>Evaluate the test data to find best combinations of components</a:t>
               </a:r>
-              <a:r>
-                <a:rPr lang="en-US" sz="1600" kern="0" dirty="0" smtClean="0">
-                  <a:solidFill>
-                    <a:prstClr val="black"/>
-                  </a:solidFill>
-                  <a:latin typeface="Arial Hebrew" charset="-79"/>
-                  <a:ea typeface="Arial Hebrew" charset="-79"/>
-                  <a:cs typeface="Arial Hebrew" charset="-79"/>
-                </a:rPr>
-                <a:t>components</a:t>
-              </a:r>
-              <a:endParaRPr lang="en-US" sz="1600" kern="0" dirty="0" smtClean="0">
-                <a:solidFill>
-                  <a:prstClr val="black"/>
-                </a:solidFill>
-                <a:latin typeface="Arial Hebrew" charset="-79"/>
-                <a:ea typeface="Arial Hebrew" charset="-79"/>
-                <a:cs typeface="Arial Hebrew" charset="-79"/>
-              </a:endParaRPr>
             </a:p>
             <a:p>
               <a:pPr marL="285750" marR="0" lvl="0" indent="-285750" defTabSz="457200" eaLnBrk="1" fontAlgn="auto" latinLnBrk="0" hangingPunct="1">
@@ -4868,24 +4690,7 @@
                   <a:ea typeface="Arial Hebrew" charset="-79"/>
                   <a:cs typeface="Arial Hebrew" charset="-79"/>
                 </a:rPr>
-                <a:t>based </a:t>
-              </a:r>
-              <a:r>
-                <a:rPr kumimoji="0" lang="en-US" sz="1900" b="0" i="0" u="none" strike="noStrike" kern="0" cap="none" spc="0" normalizeH="0" noProof="0" dirty="0" smtClean="0">
-                  <a:ln>
-                    <a:noFill/>
-                  </a:ln>
-                  <a:solidFill>
-                    <a:prstClr val="black"/>
-                  </a:solidFill>
-                  <a:effectLst/>
-                  <a:uLnTx/>
-                  <a:uFillTx/>
-                  <a:latin typeface="Arial Hebrew" charset="-79"/>
-                  <a:ea typeface="Arial Hebrew" charset="-79"/>
-                  <a:cs typeface="Arial Hebrew" charset="-79"/>
-                </a:rPr>
-                <a:t>Algorithm </a:t>
+                <a:t>based Algorithm </a:t>
               </a:r>
             </a:p>
             <a:p>
@@ -4919,18 +4724,7 @@
                   <a:ea typeface="Arial Hebrew" charset="-79"/>
                   <a:cs typeface="Arial Hebrew" charset="-79"/>
                 </a:rPr>
-                <a:t> Evaluate the test data to find the best </a:t>
-              </a:r>
-              <a:r>
-                <a:rPr lang="en-US" sz="1600" kern="0" dirty="0" smtClean="0">
-                  <a:solidFill>
-                    <a:prstClr val="black"/>
-                  </a:solidFill>
-                  <a:latin typeface="Arial Hebrew" charset="-79"/>
-                  <a:ea typeface="Arial Hebrew" charset="-79"/>
-                  <a:cs typeface="Arial Hebrew" charset="-79"/>
-                </a:rPr>
-                <a:t>parameters</a:t>
+                <a:t> Evaluate the test data to find the best parameters</a:t>
               </a:r>
               <a:endParaRPr lang="en-US" kern="0" dirty="0">
                 <a:solidFill>
@@ -5080,7 +4874,7 @@
           <p:cNvPr id="14" name="Oval 11">
             <a:extLst>
               <a:ext uri="{FF2B5EF4-FFF2-40B4-BE49-F238E27FC236}">
-                <a16:creationId xmlns:a16="http://schemas.microsoft.com/office/drawing/2014/main" id="{77197AFC-7272-4CE3-85A8-F5FAC59EF680}"/>
+                <a16:creationId xmlns:a16="http://schemas.microsoft.com/office/drawing/2014/main" xmlns="" id="{77197AFC-7272-4CE3-85A8-F5FAC59EF680}"/>
               </a:ext>
             </a:extLst>
           </p:cNvPr>
@@ -5129,7 +4923,7 @@
           <p:cNvPr id="15" name="Oval 11">
             <a:extLst>
               <a:ext uri="{FF2B5EF4-FFF2-40B4-BE49-F238E27FC236}">
-                <a16:creationId xmlns:a16="http://schemas.microsoft.com/office/drawing/2014/main" id="{77197AFC-7272-4CE3-85A8-F5FAC59EF680}"/>
+                <a16:creationId xmlns:a16="http://schemas.microsoft.com/office/drawing/2014/main" xmlns="" id="{77197AFC-7272-4CE3-85A8-F5FAC59EF680}"/>
               </a:ext>
             </a:extLst>
           </p:cNvPr>
@@ -5170,7 +4964,6 @@
               <a:rPr lang="en-US" dirty="0"/>
               <a:t>2</a:t>
             </a:r>
-            <a:endParaRPr lang="en-US" dirty="0"/>
           </a:p>
         </p:txBody>
       </p:sp>
@@ -5179,7 +4972,7 @@
           <p:cNvPr id="16" name="Oval 11">
             <a:extLst>
               <a:ext uri="{FF2B5EF4-FFF2-40B4-BE49-F238E27FC236}">
-                <a16:creationId xmlns:a16="http://schemas.microsoft.com/office/drawing/2014/main" id="{77197AFC-7272-4CE3-85A8-F5FAC59EF680}"/>
+                <a16:creationId xmlns:a16="http://schemas.microsoft.com/office/drawing/2014/main" xmlns="" id="{77197AFC-7272-4CE3-85A8-F5FAC59EF680}"/>
               </a:ext>
             </a:extLst>
           </p:cNvPr>
@@ -5220,14 +5013,13 @@
               <a:rPr lang="en-US" dirty="0"/>
               <a:t>3</a:t>
             </a:r>
-            <a:endParaRPr lang="en-US" dirty="0"/>
           </a:p>
         </p:txBody>
       </p:sp>
     </p:spTree>
     <p:extLst>
       <p:ext uri="{BB962C8B-B14F-4D97-AF65-F5344CB8AC3E}">
-        <p14:creationId xmlns:p14="http://schemas.microsoft.com/office/powerpoint/2010/main" val="935845497"/>
+        <p14:creationId xmlns:p14="http://schemas.microsoft.com/office/powerpoint/2010/main" xmlns="" val="935845497"/>
       </p:ext>
     </p:extLst>
   </p:cSld>
@@ -5297,15 +5089,7 @@
                 <a:ea typeface="Arial Hebrew" charset="-79"/>
                 <a:cs typeface="Arial Hebrew" charset="-79"/>
               </a:rPr>
-              <a:t>) How to evaluate the </a:t>
-            </a:r>
-            <a:r>
-              <a:rPr kumimoji="1" lang="en-US" altLang="zh-CN" sz="3200" dirty="0" smtClean="0">
-                <a:latin typeface="Arial Hebrew" charset="-79"/>
-                <a:ea typeface="Arial Hebrew" charset="-79"/>
-                <a:cs typeface="Arial Hebrew" charset="-79"/>
-              </a:rPr>
-              <a:t>performance of our different </a:t>
+              <a:t>) How to evaluate the performance of our different </a:t>
             </a:r>
           </a:p>
           <a:p>
@@ -5330,7 +5114,7 @@
           <p:cNvPr id="3" name="Straight Connector 16">
             <a:extLst>
               <a:ext uri="{FF2B5EF4-FFF2-40B4-BE49-F238E27FC236}">
-                <a16:creationId xmlns:a16="http://schemas.microsoft.com/office/drawing/2014/main" id="{CE05F839-3054-43DF-8810-8EA6BE360703}"/>
+                <a16:creationId xmlns:a16="http://schemas.microsoft.com/office/drawing/2014/main" xmlns="" id="{CE05F839-3054-43DF-8810-8EA6BE360703}"/>
               </a:ext>
             </a:extLst>
           </p:cNvPr>
@@ -5368,7 +5152,7 @@
           <p:cNvPr id="4" name="Oval 11">
             <a:extLst>
               <a:ext uri="{FF2B5EF4-FFF2-40B4-BE49-F238E27FC236}">
-                <a16:creationId xmlns:a16="http://schemas.microsoft.com/office/drawing/2014/main" id="{77197AFC-7272-4CE3-85A8-F5FAC59EF680}"/>
+                <a16:creationId xmlns:a16="http://schemas.microsoft.com/office/drawing/2014/main" xmlns="" id="{77197AFC-7272-4CE3-85A8-F5FAC59EF680}"/>
               </a:ext>
             </a:extLst>
           </p:cNvPr>
@@ -5462,7 +5246,7 @@
           <a:blip r:embed="rId2">
             <a:extLst>
               <a:ext uri="{28A0092B-C50C-407E-A947-70E740481C1C}">
-                <a14:useLocalDpi xmlns:a14="http://schemas.microsoft.com/office/drawing/2010/main" val="0"/>
+                <a14:useLocalDpi xmlns:a14="http://schemas.microsoft.com/office/drawing/2010/main" xmlns="" val="0"/>
               </a:ext>
             </a:extLst>
           </a:blip>
@@ -5492,7 +5276,7 @@
           <a:blip r:embed="rId3">
             <a:extLst>
               <a:ext uri="{28A0092B-C50C-407E-A947-70E740481C1C}">
-                <a14:useLocalDpi xmlns:a14="http://schemas.microsoft.com/office/drawing/2010/main" val="0"/>
+                <a14:useLocalDpi xmlns:a14="http://schemas.microsoft.com/office/drawing/2010/main" xmlns="" val="0"/>
               </a:ext>
             </a:extLst>
           </a:blip>
@@ -5542,46 +5326,10 @@
       </p:sp>
       <p:sp>
         <p:nvSpPr>
-          <p:cNvPr id="12" name="文本框 11"/>
-          <p:cNvSpPr txBox="1"/>
-          <p:nvPr/>
-        </p:nvSpPr>
-        <p:spPr>
-          <a:xfrm>
-            <a:off x="395469" y="4093654"/>
-            <a:ext cx="8714664" cy="646331"/>
-          </a:xfrm>
-          <a:prstGeom prst="rect">
-            <a:avLst/>
-          </a:prstGeom>
-          <a:noFill/>
-        </p:spPr>
-        <p:txBody>
-          <a:bodyPr wrap="square" rtlCol="0">
-            <a:spAutoFit/>
-          </a:bodyPr>
-          <a:lstStyle/>
-          <a:p>
-            <a:r>
-              <a:rPr kumimoji="1" lang="en-US" altLang="zh-CN" dirty="0" smtClean="0"/>
-              <a:t>The reason why we use Ranked Scoring for web data is</a:t>
-            </a:r>
-            <a:r>
-              <a:rPr kumimoji="1" lang="is-IS" altLang="zh-CN" dirty="0" smtClean="0"/>
-              <a:t>......</a:t>
-            </a:r>
-          </a:p>
-          <a:p>
-            <a:endParaRPr kumimoji="1" lang="zh-CN" altLang="en-US" dirty="0"/>
-          </a:p>
-        </p:txBody>
-      </p:sp>
-      <p:sp>
-        <p:nvSpPr>
           <p:cNvPr id="13" name="Oval 13">
             <a:extLst>
               <a:ext uri="{FF2B5EF4-FFF2-40B4-BE49-F238E27FC236}">
-                <a16:creationId xmlns:a16="http://schemas.microsoft.com/office/drawing/2014/main" id="{158F667E-61E8-43F7-A0A9-2629E385768C}"/>
+                <a16:creationId xmlns:a16="http://schemas.microsoft.com/office/drawing/2014/main" xmlns="" id="{158F667E-61E8-43F7-A0A9-2629E385768C}"/>
               </a:ext>
             </a:extLst>
           </p:cNvPr>
@@ -5590,7 +5338,7 @@
         </p:nvSpPr>
         <p:spPr>
           <a:xfrm>
-            <a:off x="197558" y="4806671"/>
+            <a:off x="197558" y="4588303"/>
             <a:ext cx="395821" cy="395821"/>
           </a:xfrm>
           <a:prstGeom prst="ellipse">
@@ -5633,7 +5381,7 @@
         </p:nvSpPr>
         <p:spPr>
           <a:xfrm>
-            <a:off x="593379" y="4815690"/>
+            <a:off x="593379" y="4597322"/>
             <a:ext cx="4241800" cy="461665"/>
           </a:xfrm>
           <a:prstGeom prst="rect">
@@ -5671,7 +5419,7 @@
         </p:nvSpPr>
         <p:spPr>
           <a:xfrm>
-            <a:off x="593378" y="5277355"/>
+            <a:off x="593378" y="5058987"/>
             <a:ext cx="10868519" cy="1261884"/>
           </a:xfrm>
           <a:prstGeom prst="rect">
@@ -5730,7 +5478,7 @@
     </p:spTree>
     <p:extLst>
       <p:ext uri="{BB962C8B-B14F-4D97-AF65-F5344CB8AC3E}">
-        <p14:creationId xmlns:p14="http://schemas.microsoft.com/office/powerpoint/2010/main" val="1528307524"/>
+        <p14:creationId xmlns:p14="http://schemas.microsoft.com/office/powerpoint/2010/main" xmlns="" val="1528307524"/>
       </p:ext>
     </p:extLst>
   </p:cSld>
@@ -5848,7 +5596,7 @@
           <p:cNvPr id="8" name="Straight Connector 16">
             <a:extLst>
               <a:ext uri="{FF2B5EF4-FFF2-40B4-BE49-F238E27FC236}">
-                <a16:creationId xmlns:a16="http://schemas.microsoft.com/office/drawing/2014/main" id="{CE05F839-3054-43DF-8810-8EA6BE360703}"/>
+                <a16:creationId xmlns:a16="http://schemas.microsoft.com/office/drawing/2014/main" xmlns="" id="{CE05F839-3054-43DF-8810-8EA6BE360703}"/>
               </a:ext>
             </a:extLst>
           </p:cNvPr>
@@ -5886,7 +5634,7 @@
           <p:cNvPr id="10" name="Oval 11">
             <a:extLst>
               <a:ext uri="{FF2B5EF4-FFF2-40B4-BE49-F238E27FC236}">
-                <a16:creationId xmlns:a16="http://schemas.microsoft.com/office/drawing/2014/main" id="{77197AFC-7272-4CE3-85A8-F5FAC59EF680}"/>
+                <a16:creationId xmlns:a16="http://schemas.microsoft.com/office/drawing/2014/main" xmlns="" id="{77197AFC-7272-4CE3-85A8-F5FAC59EF680}"/>
               </a:ext>
             </a:extLst>
           </p:cNvPr>
@@ -5935,7 +5683,7 @@
           <p:cNvPr id="11" name="Oval 13">
             <a:extLst>
               <a:ext uri="{FF2B5EF4-FFF2-40B4-BE49-F238E27FC236}">
-                <a16:creationId xmlns:a16="http://schemas.microsoft.com/office/drawing/2014/main" id="{158F667E-61E8-43F7-A0A9-2629E385768C}"/>
+                <a16:creationId xmlns:a16="http://schemas.microsoft.com/office/drawing/2014/main" xmlns="" id="{158F667E-61E8-43F7-A0A9-2629E385768C}"/>
               </a:ext>
             </a:extLst>
           </p:cNvPr>
@@ -5984,7 +5732,7 @@
           <p:cNvPr id="12" name="Group 5">
             <a:extLst>
               <a:ext uri="{FF2B5EF4-FFF2-40B4-BE49-F238E27FC236}">
-                <a16:creationId xmlns:a16="http://schemas.microsoft.com/office/drawing/2014/main" id="{5F5AB41A-A0D7-4C27-AE29-7D1B9D690D66}"/>
+                <a16:creationId xmlns:a16="http://schemas.microsoft.com/office/drawing/2014/main" xmlns="" id="{5F5AB41A-A0D7-4C27-AE29-7D1B9D690D66}"/>
               </a:ext>
             </a:extLst>
           </p:cNvPr>
@@ -6004,7 +5752,7 @@
             <p:cNvPr id="13" name="Group 6">
               <a:extLst>
                 <a:ext uri="{FF2B5EF4-FFF2-40B4-BE49-F238E27FC236}">
-                  <a16:creationId xmlns:a16="http://schemas.microsoft.com/office/drawing/2014/main" id="{1C2A98B6-97FC-4CBB-843D-AB5677D7126A}"/>
+                  <a16:creationId xmlns:a16="http://schemas.microsoft.com/office/drawing/2014/main" xmlns="" id="{1C2A98B6-97FC-4CBB-843D-AB5677D7126A}"/>
                 </a:ext>
               </a:extLst>
             </p:cNvPr>
@@ -6024,7 +5772,7 @@
               <p:cNvPr id="15" name="Rounded Rectangle 5">
                 <a:extLst>
                   <a:ext uri="{FF2B5EF4-FFF2-40B4-BE49-F238E27FC236}">
-                    <a16:creationId xmlns:a16="http://schemas.microsoft.com/office/drawing/2014/main" id="{01E2059C-F649-4826-A1B9-307ECB84FA13}"/>
+                    <a16:creationId xmlns:a16="http://schemas.microsoft.com/office/drawing/2014/main" xmlns="" id="{01E2059C-F649-4826-A1B9-307ECB84FA13}"/>
                   </a:ext>
                 </a:extLst>
               </p:cNvPr>
@@ -6101,7 +5849,7 @@
               <p:cNvPr id="16" name="Rounded Rectangle 4">
                 <a:extLst>
                   <a:ext uri="{FF2B5EF4-FFF2-40B4-BE49-F238E27FC236}">
-                    <a16:creationId xmlns:a16="http://schemas.microsoft.com/office/drawing/2014/main" id="{2A41193E-045F-4BA1-BC0B-20B9B140C54F}"/>
+                    <a16:creationId xmlns:a16="http://schemas.microsoft.com/office/drawing/2014/main" xmlns="" id="{2A41193E-045F-4BA1-BC0B-20B9B140C54F}"/>
                   </a:ext>
                 </a:extLst>
               </p:cNvPr>
@@ -6152,7 +5900,7 @@
             <p:cNvPr id="14" name="Rectangle 7">
               <a:extLst>
                 <a:ext uri="{FF2B5EF4-FFF2-40B4-BE49-F238E27FC236}">
-                  <a16:creationId xmlns:a16="http://schemas.microsoft.com/office/drawing/2014/main" id="{A68F207E-B64B-46F2-A7FB-09A52DFB6128}"/>
+                  <a16:creationId xmlns:a16="http://schemas.microsoft.com/office/drawing/2014/main" xmlns="" id="{A68F207E-B64B-46F2-A7FB-09A52DFB6128}"/>
                 </a:ext>
               </a:extLst>
             </p:cNvPr>
@@ -6187,7 +5935,7 @@
           <p:cNvPr id="44" name="Rectangle 7">
             <a:extLst>
               <a:ext uri="{FF2B5EF4-FFF2-40B4-BE49-F238E27FC236}">
-                <a16:creationId xmlns:a16="http://schemas.microsoft.com/office/drawing/2014/main" id="{A68F207E-B64B-46F2-A7FB-09A52DFB6128}"/>
+                <a16:creationId xmlns:a16="http://schemas.microsoft.com/office/drawing/2014/main" xmlns="" id="{A68F207E-B64B-46F2-A7FB-09A52DFB6128}"/>
               </a:ext>
             </a:extLst>
           </p:cNvPr>
@@ -6342,7 +6090,7 @@
           <p:cNvPr id="47" name="Group 5">
             <a:extLst>
               <a:ext uri="{FF2B5EF4-FFF2-40B4-BE49-F238E27FC236}">
-                <a16:creationId xmlns:a16="http://schemas.microsoft.com/office/drawing/2014/main" id="{5F5AB41A-A0D7-4C27-AE29-7D1B9D690D66}"/>
+                <a16:creationId xmlns:a16="http://schemas.microsoft.com/office/drawing/2014/main" xmlns="" id="{5F5AB41A-A0D7-4C27-AE29-7D1B9D690D66}"/>
               </a:ext>
             </a:extLst>
           </p:cNvPr>
@@ -6362,7 +6110,7 @@
             <p:cNvPr id="48" name="Group 6">
               <a:extLst>
                 <a:ext uri="{FF2B5EF4-FFF2-40B4-BE49-F238E27FC236}">
-                  <a16:creationId xmlns:a16="http://schemas.microsoft.com/office/drawing/2014/main" id="{1C2A98B6-97FC-4CBB-843D-AB5677D7126A}"/>
+                  <a16:creationId xmlns:a16="http://schemas.microsoft.com/office/drawing/2014/main" xmlns="" id="{1C2A98B6-97FC-4CBB-843D-AB5677D7126A}"/>
                 </a:ext>
               </a:extLst>
             </p:cNvPr>
@@ -6382,7 +6130,7 @@
               <p:cNvPr id="50" name="Rounded Rectangle 5">
                 <a:extLst>
                   <a:ext uri="{FF2B5EF4-FFF2-40B4-BE49-F238E27FC236}">
-                    <a16:creationId xmlns:a16="http://schemas.microsoft.com/office/drawing/2014/main" id="{01E2059C-F649-4826-A1B9-307ECB84FA13}"/>
+                    <a16:creationId xmlns:a16="http://schemas.microsoft.com/office/drawing/2014/main" xmlns="" id="{01E2059C-F649-4826-A1B9-307ECB84FA13}"/>
                   </a:ext>
                 </a:extLst>
               </p:cNvPr>
@@ -6459,7 +6207,7 @@
               <p:cNvPr id="51" name="Rounded Rectangle 4">
                 <a:extLst>
                   <a:ext uri="{FF2B5EF4-FFF2-40B4-BE49-F238E27FC236}">
-                    <a16:creationId xmlns:a16="http://schemas.microsoft.com/office/drawing/2014/main" id="{2A41193E-045F-4BA1-BC0B-20B9B140C54F}"/>
+                    <a16:creationId xmlns:a16="http://schemas.microsoft.com/office/drawing/2014/main" xmlns="" id="{2A41193E-045F-4BA1-BC0B-20B9B140C54F}"/>
                   </a:ext>
                 </a:extLst>
               </p:cNvPr>
@@ -6510,7 +6258,7 @@
             <p:cNvPr id="49" name="Rectangle 7">
               <a:extLst>
                 <a:ext uri="{FF2B5EF4-FFF2-40B4-BE49-F238E27FC236}">
-                  <a16:creationId xmlns:a16="http://schemas.microsoft.com/office/drawing/2014/main" id="{A68F207E-B64B-46F2-A7FB-09A52DFB6128}"/>
+                  <a16:creationId xmlns:a16="http://schemas.microsoft.com/office/drawing/2014/main" xmlns="" id="{A68F207E-B64B-46F2-A7FB-09A52DFB6128}"/>
                 </a:ext>
               </a:extLst>
             </p:cNvPr>
@@ -6678,7 +6426,7 @@
     </p:spTree>
     <p:extLst>
       <p:ext uri="{BB962C8B-B14F-4D97-AF65-F5344CB8AC3E}">
-        <p14:creationId xmlns:p14="http://schemas.microsoft.com/office/powerpoint/2010/main" val="206810660"/>
+        <p14:creationId xmlns:p14="http://schemas.microsoft.com/office/powerpoint/2010/main" xmlns="" val="206810660"/>
       </p:ext>
     </p:extLst>
   </p:cSld>
@@ -6869,23 +6617,7 @@
                 <a:ea typeface="Arial Hebrew" charset="-79"/>
                 <a:cs typeface="Arial Hebrew" charset="-79"/>
               </a:rPr>
-              <a:t>) </a:t>
-            </a:r>
-            <a:r>
-              <a:rPr kumimoji="1" lang="en-US" altLang="zh-CN" sz="3600" dirty="0" smtClean="0">
-                <a:latin typeface="Arial Hebrew" charset="-79"/>
-                <a:ea typeface="Arial Hebrew" charset="-79"/>
-                <a:cs typeface="Arial Hebrew" charset="-79"/>
-              </a:rPr>
-              <a:t>Finding the best Memory-based </a:t>
-            </a:r>
-            <a:r>
-              <a:rPr kumimoji="1" lang="en-US" altLang="zh-CN" sz="3600" dirty="0" smtClean="0">
-                <a:latin typeface="Arial Hebrew" charset="-79"/>
-                <a:ea typeface="Arial Hebrew" charset="-79"/>
-                <a:cs typeface="Arial Hebrew" charset="-79"/>
-              </a:rPr>
-              <a:t>Model</a:t>
+              <a:t>) Finding the best Memory-based Model</a:t>
             </a:r>
             <a:endParaRPr kumimoji="1" lang="zh-CN" altLang="en-US" sz="3600" dirty="0">
               <a:latin typeface="Arial Hebrew" charset="-79"/>
@@ -6900,7 +6632,7 @@
           <p:cNvPr id="3" name="Straight Connector 16">
             <a:extLst>
               <a:ext uri="{FF2B5EF4-FFF2-40B4-BE49-F238E27FC236}">
-                <a16:creationId xmlns:a16="http://schemas.microsoft.com/office/drawing/2014/main" id="{CE05F839-3054-43DF-8810-8EA6BE360703}"/>
+                <a16:creationId xmlns:a16="http://schemas.microsoft.com/office/drawing/2014/main" xmlns="" id="{CE05F839-3054-43DF-8810-8EA6BE360703}"/>
               </a:ext>
             </a:extLst>
           </p:cNvPr>
@@ -6952,7 +6684,7 @@
             <p:cNvPr id="4" name="Oval 11">
               <a:extLst>
                 <a:ext uri="{FF2B5EF4-FFF2-40B4-BE49-F238E27FC236}">
-                  <a16:creationId xmlns:a16="http://schemas.microsoft.com/office/drawing/2014/main" id="{77197AFC-7272-4CE3-85A8-F5FAC59EF680}"/>
+                  <a16:creationId xmlns:a16="http://schemas.microsoft.com/office/drawing/2014/main" xmlns="" id="{77197AFC-7272-4CE3-85A8-F5FAC59EF680}"/>
                 </a:ext>
               </a:extLst>
             </p:cNvPr>
@@ -7039,7 +6771,7 @@
           <a:blip r:embed="rId2">
             <a:extLst>
               <a:ext uri="{28A0092B-C50C-407E-A947-70E740481C1C}">
-                <a14:useLocalDpi xmlns:a14="http://schemas.microsoft.com/office/drawing/2010/main" val="0"/>
+                <a14:useLocalDpi xmlns:a14="http://schemas.microsoft.com/office/drawing/2010/main" xmlns="" val="0"/>
               </a:ext>
             </a:extLst>
           </a:blip>
@@ -7062,7 +6794,7 @@
           <p:cNvPr id="11" name="Rectangle: Rounded Corners 19">
             <a:extLst>
               <a:ext uri="{FF2B5EF4-FFF2-40B4-BE49-F238E27FC236}">
-                <a16:creationId xmlns:a16="http://schemas.microsoft.com/office/drawing/2014/main" id="{516B0DDA-E78C-4606-9563-AA3495159122}"/>
+                <a16:creationId xmlns:a16="http://schemas.microsoft.com/office/drawing/2014/main" xmlns="" id="{516B0DDA-E78C-4606-9563-AA3495159122}"/>
               </a:ext>
             </a:extLst>
           </p:cNvPr>
@@ -7120,7 +6852,7 @@
           <p:cNvPr id="12" name="Rectangle: Rounded Corners 19">
             <a:extLst>
               <a:ext uri="{FF2B5EF4-FFF2-40B4-BE49-F238E27FC236}">
-                <a16:creationId xmlns:a16="http://schemas.microsoft.com/office/drawing/2014/main" id="{516B0DDA-E78C-4606-9563-AA3495159122}"/>
+                <a16:creationId xmlns:a16="http://schemas.microsoft.com/office/drawing/2014/main" xmlns="" id="{516B0DDA-E78C-4606-9563-AA3495159122}"/>
               </a:ext>
             </a:extLst>
           </p:cNvPr>
@@ -7178,7 +6910,7 @@
           <p:cNvPr id="13" name="Group 5">
             <a:extLst>
               <a:ext uri="{FF2B5EF4-FFF2-40B4-BE49-F238E27FC236}">
-                <a16:creationId xmlns:a16="http://schemas.microsoft.com/office/drawing/2014/main" id="{5F5AB41A-A0D7-4C27-AE29-7D1B9D690D66}"/>
+                <a16:creationId xmlns:a16="http://schemas.microsoft.com/office/drawing/2014/main" xmlns="" id="{5F5AB41A-A0D7-4C27-AE29-7D1B9D690D66}"/>
               </a:ext>
             </a:extLst>
           </p:cNvPr>
@@ -7198,7 +6930,7 @@
             <p:cNvPr id="14" name="Group 6">
               <a:extLst>
                 <a:ext uri="{FF2B5EF4-FFF2-40B4-BE49-F238E27FC236}">
-                  <a16:creationId xmlns:a16="http://schemas.microsoft.com/office/drawing/2014/main" id="{1C2A98B6-97FC-4CBB-843D-AB5677D7126A}"/>
+                  <a16:creationId xmlns:a16="http://schemas.microsoft.com/office/drawing/2014/main" xmlns="" id="{1C2A98B6-97FC-4CBB-843D-AB5677D7126A}"/>
                 </a:ext>
               </a:extLst>
             </p:cNvPr>
@@ -7218,7 +6950,7 @@
               <p:cNvPr id="16" name="Rounded Rectangle 5">
                 <a:extLst>
                   <a:ext uri="{FF2B5EF4-FFF2-40B4-BE49-F238E27FC236}">
-                    <a16:creationId xmlns:a16="http://schemas.microsoft.com/office/drawing/2014/main" id="{01E2059C-F649-4826-A1B9-307ECB84FA13}"/>
+                    <a16:creationId xmlns:a16="http://schemas.microsoft.com/office/drawing/2014/main" xmlns="" id="{01E2059C-F649-4826-A1B9-307ECB84FA13}"/>
                   </a:ext>
                 </a:extLst>
               </p:cNvPr>
@@ -7295,7 +7027,7 @@
               <p:cNvPr id="17" name="Rounded Rectangle 4">
                 <a:extLst>
                   <a:ext uri="{FF2B5EF4-FFF2-40B4-BE49-F238E27FC236}">
-                    <a16:creationId xmlns:a16="http://schemas.microsoft.com/office/drawing/2014/main" id="{2A41193E-045F-4BA1-BC0B-20B9B140C54F}"/>
+                    <a16:creationId xmlns:a16="http://schemas.microsoft.com/office/drawing/2014/main" xmlns="" id="{2A41193E-045F-4BA1-BC0B-20B9B140C54F}"/>
                   </a:ext>
                 </a:extLst>
               </p:cNvPr>
@@ -7346,7 +7078,7 @@
             <p:cNvPr id="15" name="Rectangle 7">
               <a:extLst>
                 <a:ext uri="{FF2B5EF4-FFF2-40B4-BE49-F238E27FC236}">
-                  <a16:creationId xmlns:a16="http://schemas.microsoft.com/office/drawing/2014/main" id="{A68F207E-B64B-46F2-A7FB-09A52DFB6128}"/>
+                  <a16:creationId xmlns:a16="http://schemas.microsoft.com/office/drawing/2014/main" xmlns="" id="{A68F207E-B64B-46F2-A7FB-09A52DFB6128}"/>
                 </a:ext>
               </a:extLst>
             </p:cNvPr>
@@ -7479,7 +7211,7 @@
     </p:spTree>
     <p:extLst>
       <p:ext uri="{BB962C8B-B14F-4D97-AF65-F5344CB8AC3E}">
-        <p14:creationId xmlns:p14="http://schemas.microsoft.com/office/powerpoint/2010/main" val="1320539702"/>
+        <p14:creationId xmlns:p14="http://schemas.microsoft.com/office/powerpoint/2010/main" xmlns="" val="1320539702"/>
       </p:ext>
     </p:extLst>
   </p:cSld>
@@ -7580,7 +7312,7 @@
           <p:cNvPr id="3" name="Straight Connector 16">
             <a:extLst>
               <a:ext uri="{FF2B5EF4-FFF2-40B4-BE49-F238E27FC236}">
-                <a16:creationId xmlns:a16="http://schemas.microsoft.com/office/drawing/2014/main" id="{CE05F839-3054-43DF-8810-8EA6BE360703}"/>
+                <a16:creationId xmlns:a16="http://schemas.microsoft.com/office/drawing/2014/main" xmlns="" id="{CE05F839-3054-43DF-8810-8EA6BE360703}"/>
               </a:ext>
             </a:extLst>
           </p:cNvPr>
@@ -7618,7 +7350,7 @@
           <p:cNvPr id="4" name="Oval 13">
             <a:extLst>
               <a:ext uri="{FF2B5EF4-FFF2-40B4-BE49-F238E27FC236}">
-                <a16:creationId xmlns:a16="http://schemas.microsoft.com/office/drawing/2014/main" id="{158F667E-61E8-43F7-A0A9-2629E385768C}"/>
+                <a16:creationId xmlns:a16="http://schemas.microsoft.com/office/drawing/2014/main" xmlns="" id="{158F667E-61E8-43F7-A0A9-2629E385768C}"/>
               </a:ext>
             </a:extLst>
           </p:cNvPr>
@@ -7708,7 +7440,7 @@
           <a:blip r:embed="rId2">
             <a:extLst>
               <a:ext uri="{28A0092B-C50C-407E-A947-70E740481C1C}">
-                <a14:useLocalDpi xmlns:a14="http://schemas.microsoft.com/office/drawing/2010/main" val="0"/>
+                <a14:useLocalDpi xmlns:a14="http://schemas.microsoft.com/office/drawing/2010/main" xmlns="" val="0"/>
               </a:ext>
             </a:extLst>
           </a:blip>
@@ -7731,7 +7463,7 @@
           <p:cNvPr id="7" name="Rectangle: Rounded Corners 19">
             <a:extLst>
               <a:ext uri="{FF2B5EF4-FFF2-40B4-BE49-F238E27FC236}">
-                <a16:creationId xmlns:a16="http://schemas.microsoft.com/office/drawing/2014/main" id="{516B0DDA-E78C-4606-9563-AA3495159122}"/>
+                <a16:creationId xmlns:a16="http://schemas.microsoft.com/office/drawing/2014/main" xmlns="" id="{516B0DDA-E78C-4606-9563-AA3495159122}"/>
               </a:ext>
             </a:extLst>
           </p:cNvPr>
@@ -7789,7 +7521,7 @@
           <p:cNvPr id="8" name="Rectangle: Rounded Corners 19">
             <a:extLst>
               <a:ext uri="{FF2B5EF4-FFF2-40B4-BE49-F238E27FC236}">
-                <a16:creationId xmlns:a16="http://schemas.microsoft.com/office/drawing/2014/main" id="{516B0DDA-E78C-4606-9563-AA3495159122}"/>
+                <a16:creationId xmlns:a16="http://schemas.microsoft.com/office/drawing/2014/main" xmlns="" id="{516B0DDA-E78C-4606-9563-AA3495159122}"/>
               </a:ext>
             </a:extLst>
           </p:cNvPr>
@@ -7847,7 +7579,7 @@
           <p:cNvPr id="9" name="Rectangle: Rounded Corners 19">
             <a:extLst>
               <a:ext uri="{FF2B5EF4-FFF2-40B4-BE49-F238E27FC236}">
-                <a16:creationId xmlns:a16="http://schemas.microsoft.com/office/drawing/2014/main" id="{516B0DDA-E78C-4606-9563-AA3495159122}"/>
+                <a16:creationId xmlns:a16="http://schemas.microsoft.com/office/drawing/2014/main" xmlns="" id="{516B0DDA-E78C-4606-9563-AA3495159122}"/>
               </a:ext>
             </a:extLst>
           </p:cNvPr>
@@ -7905,7 +7637,7 @@
           <p:cNvPr id="10" name="Group 5">
             <a:extLst>
               <a:ext uri="{FF2B5EF4-FFF2-40B4-BE49-F238E27FC236}">
-                <a16:creationId xmlns:a16="http://schemas.microsoft.com/office/drawing/2014/main" id="{5F5AB41A-A0D7-4C27-AE29-7D1B9D690D66}"/>
+                <a16:creationId xmlns:a16="http://schemas.microsoft.com/office/drawing/2014/main" xmlns="" id="{5F5AB41A-A0D7-4C27-AE29-7D1B9D690D66}"/>
               </a:ext>
             </a:extLst>
           </p:cNvPr>
@@ -7925,7 +7657,7 @@
             <p:cNvPr id="11" name="Group 6">
               <a:extLst>
                 <a:ext uri="{FF2B5EF4-FFF2-40B4-BE49-F238E27FC236}">
-                  <a16:creationId xmlns:a16="http://schemas.microsoft.com/office/drawing/2014/main" id="{1C2A98B6-97FC-4CBB-843D-AB5677D7126A}"/>
+                  <a16:creationId xmlns:a16="http://schemas.microsoft.com/office/drawing/2014/main" xmlns="" id="{1C2A98B6-97FC-4CBB-843D-AB5677D7126A}"/>
                 </a:ext>
               </a:extLst>
             </p:cNvPr>
@@ -7945,7 +7677,7 @@
               <p:cNvPr id="13" name="Rounded Rectangle 5">
                 <a:extLst>
                   <a:ext uri="{FF2B5EF4-FFF2-40B4-BE49-F238E27FC236}">
-                    <a16:creationId xmlns:a16="http://schemas.microsoft.com/office/drawing/2014/main" id="{01E2059C-F649-4826-A1B9-307ECB84FA13}"/>
+                    <a16:creationId xmlns:a16="http://schemas.microsoft.com/office/drawing/2014/main" xmlns="" id="{01E2059C-F649-4826-A1B9-307ECB84FA13}"/>
                   </a:ext>
                 </a:extLst>
               </p:cNvPr>
@@ -8022,7 +7754,7 @@
               <p:cNvPr id="14" name="Rounded Rectangle 4">
                 <a:extLst>
                   <a:ext uri="{FF2B5EF4-FFF2-40B4-BE49-F238E27FC236}">
-                    <a16:creationId xmlns:a16="http://schemas.microsoft.com/office/drawing/2014/main" id="{2A41193E-045F-4BA1-BC0B-20B9B140C54F}"/>
+                    <a16:creationId xmlns:a16="http://schemas.microsoft.com/office/drawing/2014/main" xmlns="" id="{2A41193E-045F-4BA1-BC0B-20B9B140C54F}"/>
                   </a:ext>
                 </a:extLst>
               </p:cNvPr>
@@ -8073,7 +7805,7 @@
             <p:cNvPr id="12" name="Rectangle 7">
               <a:extLst>
                 <a:ext uri="{FF2B5EF4-FFF2-40B4-BE49-F238E27FC236}">
-                  <a16:creationId xmlns:a16="http://schemas.microsoft.com/office/drawing/2014/main" id="{A68F207E-B64B-46F2-A7FB-09A52DFB6128}"/>
+                  <a16:creationId xmlns:a16="http://schemas.microsoft.com/office/drawing/2014/main" xmlns="" id="{A68F207E-B64B-46F2-A7FB-09A52DFB6128}"/>
                 </a:ext>
               </a:extLst>
             </p:cNvPr>
@@ -8215,7 +7947,7 @@
     </p:spTree>
     <p:extLst>
       <p:ext uri="{BB962C8B-B14F-4D97-AF65-F5344CB8AC3E}">
-        <p14:creationId xmlns:p14="http://schemas.microsoft.com/office/powerpoint/2010/main" val="867136589"/>
+        <p14:creationId xmlns:p14="http://schemas.microsoft.com/office/powerpoint/2010/main" xmlns="" val="867136589"/>
       </p:ext>
     </p:extLst>
   </p:cSld>
@@ -8308,7 +8040,7 @@
           <p:cNvPr id="4" name="Oval 3">
             <a:extLst>
               <a:ext uri="{FF2B5EF4-FFF2-40B4-BE49-F238E27FC236}">
-                <a16:creationId xmlns:a16="http://schemas.microsoft.com/office/drawing/2014/main" id="{8787589B-829D-42C7-9849-9FA188C836ED}"/>
+                <a16:creationId xmlns:a16="http://schemas.microsoft.com/office/drawing/2014/main" xmlns="" id="{8787589B-829D-42C7-9849-9FA188C836ED}"/>
               </a:ext>
             </a:extLst>
           </p:cNvPr>
@@ -8357,7 +8089,7 @@
           <p:cNvPr id="5" name="TextBox 4">
             <a:extLst>
               <a:ext uri="{FF2B5EF4-FFF2-40B4-BE49-F238E27FC236}">
-                <a16:creationId xmlns:a16="http://schemas.microsoft.com/office/drawing/2014/main" id="{3987A76B-62BF-49C6-B0B2-F4DA485DD458}"/>
+                <a16:creationId xmlns:a16="http://schemas.microsoft.com/office/drawing/2014/main" xmlns="" id="{3987A76B-62BF-49C6-B0B2-F4DA485DD458}"/>
               </a:ext>
             </a:extLst>
           </p:cNvPr>
@@ -8465,7 +8197,7 @@
           <p:cNvPr id="6" name="Oval 5">
             <a:extLst>
               <a:ext uri="{FF2B5EF4-FFF2-40B4-BE49-F238E27FC236}">
-                <a16:creationId xmlns:a16="http://schemas.microsoft.com/office/drawing/2014/main" id="{BBC4DFE2-A7E7-45EB-A060-8D04E673BFE8}"/>
+                <a16:creationId xmlns:a16="http://schemas.microsoft.com/office/drawing/2014/main" xmlns="" id="{BBC4DFE2-A7E7-45EB-A060-8D04E673BFE8}"/>
               </a:ext>
             </a:extLst>
           </p:cNvPr>
@@ -8514,7 +8246,7 @@
           <p:cNvPr id="7" name="TextBox 6">
             <a:extLst>
               <a:ext uri="{FF2B5EF4-FFF2-40B4-BE49-F238E27FC236}">
-                <a16:creationId xmlns:a16="http://schemas.microsoft.com/office/drawing/2014/main" id="{2F3B8F35-6612-433B-845B-C60A4E3D39AF}"/>
+                <a16:creationId xmlns:a16="http://schemas.microsoft.com/office/drawing/2014/main" xmlns="" id="{2F3B8F35-6612-433B-845B-C60A4E3D39AF}"/>
               </a:ext>
             </a:extLst>
           </p:cNvPr>
@@ -8585,13 +8317,8 @@
             </a:pPr>
             <a:r>
               <a:rPr lang="en-US" dirty="0" smtClean="0"/>
-              <a:t>We obtain the following results, the best parameter is </a:t>
-            </a:r>
-            <a:r>
-              <a:rPr lang="en-US" dirty="0" smtClean="0"/>
-              <a:t>C=7</a:t>
-            </a:r>
-            <a:endParaRPr lang="en-US" dirty="0" smtClean="0"/>
+              <a:t>We obtain the following results, the best parameter is C=7</a:t>
+            </a:r>
           </a:p>
           <a:p>
             <a:pPr lvl="1"/>
@@ -8626,11 +8353,7 @@
             </a:r>
             <a:r>
               <a:rPr lang="en-US" dirty="0" smtClean="0"/>
-              <a:t>test set with </a:t>
-            </a:r>
-            <a:r>
-              <a:rPr lang="en-US" dirty="0" smtClean="0"/>
-              <a:t>C=7</a:t>
+              <a:t>test set with C=7</a:t>
             </a:r>
             <a:endParaRPr lang="en-US" dirty="0"/>
           </a:p>
@@ -8641,7 +8364,7 @@
           <p:cNvPr id="8" name="TextBox 7">
             <a:extLst>
               <a:ext uri="{FF2B5EF4-FFF2-40B4-BE49-F238E27FC236}">
-                <a16:creationId xmlns:a16="http://schemas.microsoft.com/office/drawing/2014/main" id="{9E9B7E7C-4D46-44B7-8898-79B9724ACBFF}"/>
+                <a16:creationId xmlns:a16="http://schemas.microsoft.com/office/drawing/2014/main" xmlns="" id="{9E9B7E7C-4D46-44B7-8898-79B9724ACBFF}"/>
               </a:ext>
             </a:extLst>
           </p:cNvPr>
@@ -8683,7 +8406,7 @@
           <p:cNvPr id="19" name="Straight Connector 18">
             <a:extLst>
               <a:ext uri="{FF2B5EF4-FFF2-40B4-BE49-F238E27FC236}">
-                <a16:creationId xmlns:a16="http://schemas.microsoft.com/office/drawing/2014/main" id="{E41C5C64-88D9-4F5B-9112-C03BA4EAE66F}"/>
+                <a16:creationId xmlns:a16="http://schemas.microsoft.com/office/drawing/2014/main" xmlns="" id="{E41C5C64-88D9-4F5B-9112-C03BA4EAE66F}"/>
               </a:ext>
             </a:extLst>
           </p:cNvPr>
@@ -8725,7 +8448,7 @@
           <p:nvPr>
             <p:extLst>
               <p:ext uri="{D42A27DB-BD31-4B8C-83A1-F6EECF244321}">
-                <p14:modId xmlns:p14="http://schemas.microsoft.com/office/powerpoint/2010/main" val="230171061"/>
+                <p14:modId xmlns:p14="http://schemas.microsoft.com/office/powerpoint/2010/main" xmlns="" val="230171061"/>
               </p:ext>
             </p:extLst>
           </p:nvPr>
@@ -8744,35 +8467,35 @@
                 <a:gridCol w="853932">
                   <a:extLst>
                     <a:ext uri="{9D8B030D-6E8A-4147-A177-3AD203B41FA5}">
-                      <a16:colId xmlns:a16="http://schemas.microsoft.com/office/drawing/2014/main" val="3684228092"/>
+                      <a16:colId xmlns:a16="http://schemas.microsoft.com/office/drawing/2014/main" xmlns="" val="3684228092"/>
                     </a:ext>
                   </a:extLst>
                 </a:gridCol>
                 <a:gridCol w="853932">
                   <a:extLst>
                     <a:ext uri="{9D8B030D-6E8A-4147-A177-3AD203B41FA5}">
-                      <a16:colId xmlns:a16="http://schemas.microsoft.com/office/drawing/2014/main" val="3660306201"/>
+                      <a16:colId xmlns:a16="http://schemas.microsoft.com/office/drawing/2014/main" xmlns="" val="3660306201"/>
                     </a:ext>
                   </a:extLst>
                 </a:gridCol>
                 <a:gridCol w="853932">
                   <a:extLst>
                     <a:ext uri="{9D8B030D-6E8A-4147-A177-3AD203B41FA5}">
-                      <a16:colId xmlns:a16="http://schemas.microsoft.com/office/drawing/2014/main" val="1982501635"/>
+                      <a16:colId xmlns:a16="http://schemas.microsoft.com/office/drawing/2014/main" xmlns="" val="1982501635"/>
                     </a:ext>
                   </a:extLst>
                 </a:gridCol>
                 <a:gridCol w="853932">
                   <a:extLst>
                     <a:ext uri="{9D8B030D-6E8A-4147-A177-3AD203B41FA5}">
-                      <a16:colId xmlns:a16="http://schemas.microsoft.com/office/drawing/2014/main" val="1803474683"/>
+                      <a16:colId xmlns:a16="http://schemas.microsoft.com/office/drawing/2014/main" xmlns="" val="1803474683"/>
                     </a:ext>
                   </a:extLst>
                 </a:gridCol>
                 <a:gridCol w="853932">
                   <a:extLst>
                     <a:ext uri="{9D8B030D-6E8A-4147-A177-3AD203B41FA5}">
-                      <a16:colId xmlns:a16="http://schemas.microsoft.com/office/drawing/2014/main" val="2714532173"/>
+                      <a16:colId xmlns:a16="http://schemas.microsoft.com/office/drawing/2014/main" xmlns="" val="2714532173"/>
                     </a:ext>
                   </a:extLst>
                 </a:gridCol>
@@ -8930,7 +8653,7 @@
                 </a:tc>
                 <a:extLst>
                   <a:ext uri="{0D108BD9-81ED-4DB2-BD59-A6C34878D82A}">
-                    <a16:rowId xmlns:a16="http://schemas.microsoft.com/office/drawing/2014/main" val="3896112708"/>
+                    <a16:rowId xmlns:a16="http://schemas.microsoft.com/office/drawing/2014/main" xmlns="" val="3896112708"/>
                   </a:ext>
                 </a:extLst>
               </a:tr>
@@ -9073,7 +8796,7 @@
                 </a:tc>
                 <a:extLst>
                   <a:ext uri="{0D108BD9-81ED-4DB2-BD59-A6C34878D82A}">
-                    <a16:rowId xmlns:a16="http://schemas.microsoft.com/office/drawing/2014/main" val="7480978"/>
+                    <a16:rowId xmlns:a16="http://schemas.microsoft.com/office/drawing/2014/main" xmlns="" val="7480978"/>
                   </a:ext>
                 </a:extLst>
               </a:tr>
@@ -9216,7 +8939,7 @@
                 </a:tc>
                 <a:extLst>
                   <a:ext uri="{0D108BD9-81ED-4DB2-BD59-A6C34878D82A}">
-                    <a16:rowId xmlns:a16="http://schemas.microsoft.com/office/drawing/2014/main" val="3495811309"/>
+                    <a16:rowId xmlns:a16="http://schemas.microsoft.com/office/drawing/2014/main" xmlns="" val="3495811309"/>
                   </a:ext>
                 </a:extLst>
               </a:tr>
@@ -9260,31 +8983,7 @@
                 <a:ea typeface="Arial Hebrew" charset="-79"/>
                 <a:cs typeface="Arial Hebrew" charset="-79"/>
               </a:rPr>
-              <a:t>) </a:t>
-            </a:r>
-            <a:r>
-              <a:rPr kumimoji="1" lang="en-US" altLang="zh-CN" sz="3600" dirty="0" smtClean="0">
-                <a:latin typeface="Arial Hebrew" charset="-79"/>
-                <a:ea typeface="Arial Hebrew" charset="-79"/>
-                <a:cs typeface="Arial Hebrew" charset="-79"/>
-              </a:rPr>
-              <a:t>Finding the best </a:t>
-            </a:r>
-            <a:r>
-              <a:rPr kumimoji="1" lang="en-US" altLang="zh-CN" sz="3600" dirty="0" smtClean="0">
-                <a:latin typeface="Arial Hebrew" charset="-79"/>
-                <a:ea typeface="Arial Hebrew" charset="-79"/>
-                <a:cs typeface="Arial Hebrew" charset="-79"/>
-              </a:rPr>
-              <a:t>Cluster </a:t>
-            </a:r>
-            <a:r>
-              <a:rPr kumimoji="1" lang="en-US" altLang="zh-CN" sz="3600" dirty="0" smtClean="0">
-                <a:latin typeface="Arial Hebrew" charset="-79"/>
-                <a:ea typeface="Arial Hebrew" charset="-79"/>
-                <a:cs typeface="Arial Hebrew" charset="-79"/>
-              </a:rPr>
-              <a:t>Model</a:t>
+              <a:t>) Finding the best Cluster Model</a:t>
             </a:r>
             <a:endParaRPr kumimoji="1" lang="zh-CN" altLang="en-US" sz="3600" dirty="0">
               <a:latin typeface="Arial Hebrew" charset="-79"/>
@@ -9299,7 +8998,7 @@
           <p:cNvPr id="13" name="Rectangle: Rounded Corners 19">
             <a:extLst>
               <a:ext uri="{FF2B5EF4-FFF2-40B4-BE49-F238E27FC236}">
-                <a16:creationId xmlns:a16="http://schemas.microsoft.com/office/drawing/2014/main" id="{516B0DDA-E78C-4606-9563-AA3495159122}"/>
+                <a16:creationId xmlns:a16="http://schemas.microsoft.com/office/drawing/2014/main" xmlns="" id="{516B0DDA-E78C-4606-9563-AA3495159122}"/>
               </a:ext>
             </a:extLst>
           </p:cNvPr>
@@ -9355,7 +9054,7 @@
     </p:spTree>
     <p:extLst>
       <p:ext uri="{BB962C8B-B14F-4D97-AF65-F5344CB8AC3E}">
-        <p14:creationId xmlns:p14="http://schemas.microsoft.com/office/powerpoint/2010/main" val="326474633"/>
+        <p14:creationId xmlns:p14="http://schemas.microsoft.com/office/powerpoint/2010/main" xmlns="" val="326474633"/>
       </p:ext>
     </p:extLst>
   </p:cSld>
@@ -9425,23 +9124,7 @@
                 <a:ea typeface="Arial Hebrew" charset="-79"/>
                 <a:cs typeface="Arial Hebrew" charset="-79"/>
               </a:rPr>
-              <a:t>) </a:t>
-            </a:r>
-            <a:r>
-              <a:rPr kumimoji="1" lang="en-US" altLang="zh-CN" sz="3600" dirty="0" smtClean="0">
-                <a:latin typeface="Arial Hebrew" charset="-79"/>
-                <a:ea typeface="Arial Hebrew" charset="-79"/>
-                <a:cs typeface="Arial Hebrew" charset="-79"/>
-              </a:rPr>
-              <a:t>Results &amp; Analysis</a:t>
-            </a:r>
-            <a:r>
-              <a:rPr kumimoji="1" lang="en-US" altLang="zh-CN" sz="3600" dirty="0" smtClean="0">
-                <a:latin typeface="Arial Hebrew" charset="-79"/>
-                <a:ea typeface="Arial Hebrew" charset="-79"/>
-                <a:cs typeface="Arial Hebrew" charset="-79"/>
-              </a:rPr>
-              <a:t>: Comparing all the models</a:t>
+              <a:t>) Results &amp; Analysis: Comparing all the models</a:t>
             </a:r>
             <a:endParaRPr kumimoji="1" lang="zh-CN" altLang="en-US" sz="3600" dirty="0">
               <a:latin typeface="Arial Hebrew" charset="-79"/>
@@ -9456,7 +9139,7 @@
           <p:cNvPr id="3" name="Straight Connector 18">
             <a:extLst>
               <a:ext uri="{FF2B5EF4-FFF2-40B4-BE49-F238E27FC236}">
-                <a16:creationId xmlns:a16="http://schemas.microsoft.com/office/drawing/2014/main" id="{E41C5C64-88D9-4F5B-9112-C03BA4EAE66F}"/>
+                <a16:creationId xmlns:a16="http://schemas.microsoft.com/office/drawing/2014/main" xmlns="" id="{E41C5C64-88D9-4F5B-9112-C03BA4EAE66F}"/>
               </a:ext>
             </a:extLst>
           </p:cNvPr>
@@ -9489,36 +9172,6 @@
           </a:fontRef>
         </p:style>
       </p:cxnSp>
-      <p:pic>
-        <p:nvPicPr>
-          <p:cNvPr id="4" name="图片 3"/>
-          <p:cNvPicPr>
-            <a:picLocks noChangeAspect="1"/>
-          </p:cNvPicPr>
-          <p:nvPr/>
-        </p:nvPicPr>
-        <p:blipFill>
-          <a:blip r:embed="rId2">
-            <a:extLst>
-              <a:ext uri="{28A0092B-C50C-407E-A947-70E740481C1C}">
-                <a14:useLocalDpi xmlns:a14="http://schemas.microsoft.com/office/drawing/2010/main" val="0"/>
-              </a:ext>
-            </a:extLst>
-          </a:blip>
-          <a:stretch>
-            <a:fillRect/>
-          </a:stretch>
-        </p:blipFill>
-        <p:spPr>
-          <a:xfrm>
-            <a:off x="781310" y="2658239"/>
-            <a:ext cx="6362700" cy="4114800"/>
-          </a:xfrm>
-          <a:prstGeom prst="rect">
-            <a:avLst/>
-          </a:prstGeom>
-        </p:spPr>
-      </p:pic>
       <p:sp>
         <p:nvSpPr>
           <p:cNvPr id="6" name="文本框 5"/>
@@ -9528,7 +9181,7 @@
         <p:spPr>
           <a:xfrm>
             <a:off x="7394507" y="3568737"/>
-            <a:ext cx="4461933" cy="2862322"/>
+            <a:ext cx="4461933" cy="3139321"/>
           </a:xfrm>
           <a:prstGeom prst="rect">
             <a:avLst/>
@@ -9543,7 +9196,11 @@
           <a:p>
             <a:r>
               <a:rPr kumimoji="1" lang="en-US" altLang="zh-CN" dirty="0" smtClean="0"/>
-              <a:t>The best collaborative filtering algorithm on this data set is our Cluster Model with 7 latent classes.</a:t>
+              <a:t>The best collaborative filtering algorithm on this data set is our</a:t>
+            </a:r>
+            <a:r>
+              <a:rPr kumimoji="1" lang="en-US" altLang="zh-CN" b="1" dirty="0" smtClean="0"/>
+              <a:t> Cluster Model with 7 latent classes.</a:t>
             </a:r>
           </a:p>
           <a:p>
@@ -9591,7 +9248,7 @@
           <p:cNvPr id="8" name="Oval 7">
             <a:extLst>
               <a:ext uri="{FF2B5EF4-FFF2-40B4-BE49-F238E27FC236}">
-                <a16:creationId xmlns:a16="http://schemas.microsoft.com/office/drawing/2014/main" id="{8787589B-829D-42C7-9849-9FA188C836ED}"/>
+                <a16:creationId xmlns:a16="http://schemas.microsoft.com/office/drawing/2014/main" xmlns="" id="{8787589B-829D-42C7-9849-9FA188C836ED}"/>
               </a:ext>
             </a:extLst>
           </p:cNvPr>
@@ -9640,7 +9297,7 @@
           <p:cNvPr id="9" name="TextBox 8">
             <a:extLst>
               <a:ext uri="{FF2B5EF4-FFF2-40B4-BE49-F238E27FC236}">
-                <a16:creationId xmlns:a16="http://schemas.microsoft.com/office/drawing/2014/main" id="{3987A76B-62BF-49C6-B0B2-F4DA485DD458}"/>
+                <a16:creationId xmlns:a16="http://schemas.microsoft.com/office/drawing/2014/main" xmlns="" id="{3987A76B-62BF-49C6-B0B2-F4DA485DD458}"/>
               </a:ext>
             </a:extLst>
           </p:cNvPr>
@@ -9725,7 +9382,7 @@
           <p:cNvPr id="10" name="Oval 9">
             <a:extLst>
               <a:ext uri="{FF2B5EF4-FFF2-40B4-BE49-F238E27FC236}">
-                <a16:creationId xmlns:a16="http://schemas.microsoft.com/office/drawing/2014/main" id="{BBC4DFE2-A7E7-45EB-A060-8D04E673BFE8}"/>
+                <a16:creationId xmlns:a16="http://schemas.microsoft.com/office/drawing/2014/main" xmlns="" id="{BBC4DFE2-A7E7-45EB-A060-8D04E673BFE8}"/>
               </a:ext>
             </a:extLst>
           </p:cNvPr>
@@ -9734,7 +9391,7 @@
         </p:nvSpPr>
         <p:spPr>
           <a:xfrm>
-            <a:off x="438077" y="2184356"/>
+            <a:off x="438077" y="2075172"/>
             <a:ext cx="395821" cy="395821"/>
           </a:xfrm>
           <a:prstGeom prst="ellipse">
@@ -9766,7 +9423,6 @@
               <a:rPr lang="en-US" dirty="0"/>
               <a:t>2</a:t>
             </a:r>
-            <a:endParaRPr lang="en-US" dirty="0"/>
           </a:p>
         </p:txBody>
       </p:sp>
@@ -9775,7 +9431,7 @@
           <p:cNvPr id="11" name="TextBox 10">
             <a:extLst>
               <a:ext uri="{FF2B5EF4-FFF2-40B4-BE49-F238E27FC236}">
-                <a16:creationId xmlns:a16="http://schemas.microsoft.com/office/drawing/2014/main" id="{3987A76B-62BF-49C6-B0B2-F4DA485DD458}"/>
+                <a16:creationId xmlns:a16="http://schemas.microsoft.com/office/drawing/2014/main" xmlns="" id="{3987A76B-62BF-49C6-B0B2-F4DA485DD458}"/>
               </a:ext>
             </a:extLst>
           </p:cNvPr>
@@ -9784,7 +9440,7 @@
         </p:nvSpPr>
         <p:spPr>
           <a:xfrm>
-            <a:off x="833898" y="2115684"/>
+            <a:off x="833898" y="2006500"/>
             <a:ext cx="11358102" cy="738664"/>
           </a:xfrm>
           <a:prstGeom prst="rect">
@@ -9818,10 +9474,10 @@
           <p:nvPr/>
         </p:nvPicPr>
         <p:blipFill>
-          <a:blip r:embed="rId3">
+          <a:blip r:embed="rId2">
             <a:extLst>
               <a:ext uri="{28A0092B-C50C-407E-A947-70E740481C1C}">
-                <a14:useLocalDpi xmlns:a14="http://schemas.microsoft.com/office/drawing/2010/main" val="0"/>
+                <a14:useLocalDpi xmlns:a14="http://schemas.microsoft.com/office/drawing/2010/main" xmlns="" val="0"/>
               </a:ext>
             </a:extLst>
           </a:blip>
@@ -9841,7 +9497,7 @@
           <a:noFill/>
           <a:extLst>
             <a:ext uri="{909E8E84-426E-40DD-AFC4-6F175D3DCCD1}">
-              <a14:hiddenFill xmlns:a14="http://schemas.microsoft.com/office/drawing/2010/main">
+              <a14:hiddenFill xmlns:a14="http://schemas.microsoft.com/office/drawing/2010/main" xmlns="">
                 <a:solidFill>
                   <a:srgbClr val="FFFFFF"/>
                 </a:solidFill>
@@ -9855,7 +9511,7 @@
           <p:cNvPr id="12" name="Group 5">
             <a:extLst>
               <a:ext uri="{FF2B5EF4-FFF2-40B4-BE49-F238E27FC236}">
-                <a16:creationId xmlns:a16="http://schemas.microsoft.com/office/drawing/2014/main" id="{5F5AB41A-A0D7-4C27-AE29-7D1B9D690D66}"/>
+                <a16:creationId xmlns:a16="http://schemas.microsoft.com/office/drawing/2014/main" xmlns="" id="{5F5AB41A-A0D7-4C27-AE29-7D1B9D690D66}"/>
               </a:ext>
             </a:extLst>
           </p:cNvPr>
@@ -9864,8 +9520,8 @@
         </p:nvGrpSpPr>
         <p:grpSpPr>
           <a:xfrm>
-            <a:off x="7350021" y="3178980"/>
-            <a:ext cx="4550908" cy="3283408"/>
+            <a:off x="7350021" y="3178979"/>
+            <a:ext cx="4550908" cy="3594059"/>
             <a:chOff x="362982" y="1145089"/>
             <a:chExt cx="4995081" cy="4704498"/>
           </a:xfrm>
@@ -9875,7 +9531,7 @@
             <p:cNvPr id="13" name="Group 6">
               <a:extLst>
                 <a:ext uri="{FF2B5EF4-FFF2-40B4-BE49-F238E27FC236}">
-                  <a16:creationId xmlns:a16="http://schemas.microsoft.com/office/drawing/2014/main" id="{1C2A98B6-97FC-4CBB-843D-AB5677D7126A}"/>
+                  <a16:creationId xmlns:a16="http://schemas.microsoft.com/office/drawing/2014/main" xmlns="" id="{1C2A98B6-97FC-4CBB-843D-AB5677D7126A}"/>
                 </a:ext>
               </a:extLst>
             </p:cNvPr>
@@ -9895,7 +9551,7 @@
               <p:cNvPr id="15" name="Rounded Rectangle 5">
                 <a:extLst>
                   <a:ext uri="{FF2B5EF4-FFF2-40B4-BE49-F238E27FC236}">
-                    <a16:creationId xmlns:a16="http://schemas.microsoft.com/office/drawing/2014/main" id="{01E2059C-F649-4826-A1B9-307ECB84FA13}"/>
+                    <a16:creationId xmlns:a16="http://schemas.microsoft.com/office/drawing/2014/main" xmlns="" id="{01E2059C-F649-4826-A1B9-307ECB84FA13}"/>
                   </a:ext>
                 </a:extLst>
               </p:cNvPr>
@@ -9972,7 +9628,7 @@
               <p:cNvPr id="16" name="Rounded Rectangle 4">
                 <a:extLst>
                   <a:ext uri="{FF2B5EF4-FFF2-40B4-BE49-F238E27FC236}">
-                    <a16:creationId xmlns:a16="http://schemas.microsoft.com/office/drawing/2014/main" id="{2A41193E-045F-4BA1-BC0B-20B9B140C54F}"/>
+                    <a16:creationId xmlns:a16="http://schemas.microsoft.com/office/drawing/2014/main" xmlns="" id="{2A41193E-045F-4BA1-BC0B-20B9B140C54F}"/>
                   </a:ext>
                 </a:extLst>
               </p:cNvPr>
@@ -10011,7 +9667,7 @@
                 <a:pPr algn="ctr"/>
                 <a:r>
                   <a:rPr lang="en-US" sz="2400" dirty="0" smtClean="0"/>
-                  <a:t>Results</a:t>
+                  <a:t>Recommendations</a:t>
                 </a:r>
                 <a:endParaRPr lang="en-US" sz="2400" dirty="0"/>
               </a:p>
@@ -10023,7 +9679,7 @@
             <p:cNvPr id="14" name="Rectangle 7">
               <a:extLst>
                 <a:ext uri="{FF2B5EF4-FFF2-40B4-BE49-F238E27FC236}">
-                  <a16:creationId xmlns:a16="http://schemas.microsoft.com/office/drawing/2014/main" id="{A68F207E-B64B-46F2-A7FB-09A52DFB6128}"/>
+                  <a16:creationId xmlns:a16="http://schemas.microsoft.com/office/drawing/2014/main" xmlns="" id="{A68F207E-B64B-46F2-A7FB-09A52DFB6128}"/>
                 </a:ext>
               </a:extLst>
             </p:cNvPr>
@@ -10053,10 +9709,101 @@
           </p:txBody>
         </p:sp>
       </p:grpSp>
+      <p:pic>
+        <p:nvPicPr>
+          <p:cNvPr id="1025" name="Picture 1"/>
+          <p:cNvPicPr>
+            <a:picLocks noChangeAspect="1" noChangeArrowheads="1"/>
+          </p:cNvPicPr>
+          <p:nvPr/>
+        </p:nvPicPr>
+        <p:blipFill>
+          <a:blip r:embed="rId3"/>
+          <a:srcRect l="1192"/>
+          <a:stretch>
+            <a:fillRect/>
+          </a:stretch>
+        </p:blipFill>
+        <p:spPr bwMode="auto">
+          <a:xfrm>
+            <a:off x="514350" y="2731516"/>
+            <a:ext cx="6324527" cy="3838575"/>
+          </a:xfrm>
+          <a:prstGeom prst="rect">
+            <a:avLst/>
+          </a:prstGeom>
+          <a:noFill/>
+          <a:ln w="9525">
+            <a:noFill/>
+            <a:miter lim="800000"/>
+            <a:headEnd/>
+            <a:tailEnd/>
+          </a:ln>
+          <a:effectLst/>
+        </p:spPr>
+      </p:pic>
+      <p:sp>
+        <p:nvSpPr>
+          <p:cNvPr id="19" name="Rectangle: Rounded Corners 19">
+            <a:extLst>
+              <a:ext uri="{FF2B5EF4-FFF2-40B4-BE49-F238E27FC236}">
+                <a16:creationId xmlns:a16="http://schemas.microsoft.com/office/drawing/2014/main" xmlns="" id="{516B0DDA-E78C-4606-9563-AA3495159122}"/>
+              </a:ext>
+            </a:extLst>
+          </p:cNvPr>
+          <p:cNvSpPr/>
+          <p:nvPr/>
+        </p:nvSpPr>
+        <p:spPr>
+          <a:xfrm>
+            <a:off x="481506" y="6374173"/>
+            <a:ext cx="6357371" cy="180000"/>
+          </a:xfrm>
+          <a:prstGeom prst="roundRect">
+            <a:avLst/>
+          </a:prstGeom>
+          <a:noFill/>
+          <a:ln w="28575" cap="flat" cmpd="sng" algn="ctr">
+            <a:solidFill>
+              <a:srgbClr val="FF0000"/>
+            </a:solidFill>
+            <a:prstDash val="solid"/>
+            <a:round/>
+            <a:headEnd type="none" w="med" len="med"/>
+            <a:tailEnd type="none" w="med" len="med"/>
+          </a:ln>
+        </p:spPr>
+        <p:style>
+          <a:lnRef idx="0">
+            <a:scrgbClr r="0" g="0" b="0"/>
+          </a:lnRef>
+          <a:fillRef idx="0">
+            <a:scrgbClr r="0" g="0" b="0"/>
+          </a:fillRef>
+          <a:effectRef idx="0">
+            <a:scrgbClr r="0" g="0" b="0"/>
+          </a:effectRef>
+          <a:fontRef idx="minor">
+            <a:schemeClr val="accent2"/>
+          </a:fontRef>
+        </p:style>
+        <p:txBody>
+          <a:bodyPr rtlCol="0" anchor="ctr"/>
+          <a:lstStyle/>
+          <a:p>
+            <a:pPr algn="ctr"/>
+            <a:endParaRPr lang="en-US">
+              <a:solidFill>
+                <a:srgbClr val="00B050"/>
+              </a:solidFill>
+            </a:endParaRPr>
+          </a:p>
+        </p:txBody>
+      </p:sp>
     </p:spTree>
     <p:extLst>
       <p:ext uri="{BB962C8B-B14F-4D97-AF65-F5344CB8AC3E}">
-        <p14:creationId xmlns:p14="http://schemas.microsoft.com/office/powerpoint/2010/main" val="693509182"/>
+        <p14:creationId xmlns:p14="http://schemas.microsoft.com/office/powerpoint/2010/main" xmlns="" val="693509182"/>
       </p:ext>
     </p:extLst>
   </p:cSld>
@@ -10116,7 +9863,7 @@
     </a:clrScheme>
     <a:fontScheme name="Office">
       <a:majorFont>
-        <a:latin typeface="DengXian Light" panose="020F0302020204030204"/>
+        <a:latin typeface="DengXian Light"/>
         <a:ea typeface=""/>
         <a:cs typeface=""/>
         <a:font script="Jpan" typeface="Yu Gothic Light"/>
@@ -10151,7 +9898,7 @@
         <a:font script="Geor" typeface="Sylfaen"/>
       </a:majorFont>
       <a:minorFont>
-        <a:latin typeface="DengXian" panose="020F0502020204030204"/>
+        <a:latin typeface="DengXian"/>
         <a:ea typeface=""/>
         <a:cs typeface=""/>
         <a:font script="Jpan" typeface="Yu Gothic"/>
@@ -10328,7 +10075,7 @@
   <a:extraClrSchemeLst/>
   <a:extLst>
     <a:ext uri="{05A4C25C-085E-4340-85A3-A5531E510DB2}">
-      <thm15:themeFamily xmlns:thm15="http://schemas.microsoft.com/office/thememl/2012/main" name="Office Theme" id="{62F939B6-93AF-4DB8-9C6B-D6C7DFDC589F}" vid="{4A3C46E8-61CC-4603-A589-7422A47A8E4A}"/>
+      <thm15:themeFamily xmlns:thm15="http://schemas.microsoft.com/office/thememl/2012/main" xmlns="" name="Office Theme" id="{62F939B6-93AF-4DB8-9C6B-D6C7DFDC589F}" vid="{4A3C46E8-61CC-4603-A589-7422A47A8E4A}"/>
     </a:ext>
   </a:extLst>
 </a:theme>
@@ -10377,7 +10124,7 @@
     </a:clrScheme>
     <a:fontScheme name="Office">
       <a:majorFont>
-        <a:latin typeface="DengXian Light" panose="020F0302020204030204"/>
+        <a:latin typeface="DengXian Light"/>
         <a:ea typeface=""/>
         <a:cs typeface=""/>
         <a:font script="Jpan" typeface="Yu Gothic Light"/>
@@ -10412,7 +10159,7 @@
         <a:font script="Geor" typeface="Sylfaen"/>
       </a:majorFont>
       <a:minorFont>
-        <a:latin typeface="DengXian" panose="020F0502020204030204"/>
+        <a:latin typeface="DengXian"/>
         <a:ea typeface=""/>
         <a:cs typeface=""/>
         <a:font script="Jpan" typeface="Yu Gothic"/>
@@ -10589,7 +10336,7 @@
   <a:extraClrSchemeLst/>
   <a:extLst>
     <a:ext uri="{05A4C25C-085E-4340-85A3-A5531E510DB2}">
-      <thm15:themeFamily xmlns:thm15="http://schemas.microsoft.com/office/thememl/2012/main" name="Office Theme" id="{62F939B6-93AF-4DB8-9C6B-D6C7DFDC589F}" vid="{4A3C46E8-61CC-4603-A589-7422A47A8E4A}"/>
+      <thm15:themeFamily xmlns:thm15="http://schemas.microsoft.com/office/thememl/2012/main" xmlns="" name="Office Theme" id="{62F939B6-93AF-4DB8-9C6B-D6C7DFDC589F}" vid="{4A3C46E8-61CC-4603-A589-7422A47A8E4A}"/>
     </a:ext>
   </a:extLst>
 </a:theme>
